--- a/Plattform_Interaktionskonzept.pptx
+++ b/Plattform_Interaktionskonzept.pptx
@@ -118,7 +118,7 @@
   </p:defaultTextStyle>
   <p:extLst>
     <p:ext uri="{EFAFB233-063F-42B5-8137-9DF3F51BA10A}">
-      <p15:sldGuideLst xmlns:p15="http://schemas.microsoft.com/office/powerpoint/2012/main">
+      <p15:sldGuideLst xmlns:p15="http://schemas.microsoft.com/office/powerpoint/2012/main" xmlns="">
         <p15:guide id="1" orient="horz" pos="2160">
           <p15:clr>
             <a:srgbClr val="A4A3A4"/>
@@ -6588,6 +6588,13 @@
         </dgm:presLayoutVars>
       </dgm:prSet>
       <dgm:spPr/>
+      <dgm:t>
+        <a:bodyPr/>
+        <a:lstStyle/>
+        <a:p>
+          <a:endParaRPr lang="de-DE"/>
+        </a:p>
+      </dgm:t>
     </dgm:pt>
     <dgm:pt modelId="{661A9C75-B817-42F4-8019-CA72D746E4D4}" type="pres">
       <dgm:prSet presAssocID="{865D3768-612B-43C9-B104-C6FFFDB7D29C}" presName="centerShape" presStyleLbl="node0" presStyleIdx="0" presStyleCnt="1"/>
@@ -6603,10 +6610,24 @@
     <dgm:pt modelId="{8BAE6728-35BE-4B72-8751-FE9666A17461}" type="pres">
       <dgm:prSet presAssocID="{6F6B80E2-E8B1-4F02-922B-C97E6E4BDFB9}" presName="parTrans" presStyleLbl="sibTrans2D1" presStyleIdx="0" presStyleCnt="7"/>
       <dgm:spPr/>
+      <dgm:t>
+        <a:bodyPr/>
+        <a:lstStyle/>
+        <a:p>
+          <a:endParaRPr lang="de-DE"/>
+        </a:p>
+      </dgm:t>
     </dgm:pt>
     <dgm:pt modelId="{04A995DB-A781-412F-BCBF-BF2248B94A92}" type="pres">
       <dgm:prSet presAssocID="{6F6B80E2-E8B1-4F02-922B-C97E6E4BDFB9}" presName="connectorText" presStyleLbl="sibTrans2D1" presStyleIdx="0" presStyleCnt="7"/>
       <dgm:spPr/>
+      <dgm:t>
+        <a:bodyPr/>
+        <a:lstStyle/>
+        <a:p>
+          <a:endParaRPr lang="de-DE"/>
+        </a:p>
+      </dgm:t>
     </dgm:pt>
     <dgm:pt modelId="{35F7C1E2-E202-4DF6-8972-1F35046E507F}" type="pres">
       <dgm:prSet presAssocID="{F2492FCB-133B-4F7C-B39F-21FB83EBD95C}" presName="node" presStyleLbl="node1" presStyleIdx="0" presStyleCnt="7">
@@ -6626,10 +6647,24 @@
     <dgm:pt modelId="{3A66533D-61A0-4F60-A075-A6DBDA6D2F42}" type="pres">
       <dgm:prSet presAssocID="{0ADB37A6-8DEA-4FA9-90B4-628E49E85CDE}" presName="parTrans" presStyleLbl="sibTrans2D1" presStyleIdx="1" presStyleCnt="7"/>
       <dgm:spPr/>
+      <dgm:t>
+        <a:bodyPr/>
+        <a:lstStyle/>
+        <a:p>
+          <a:endParaRPr lang="de-DE"/>
+        </a:p>
+      </dgm:t>
     </dgm:pt>
     <dgm:pt modelId="{ED419E37-4A5D-4AC5-A038-3579188B5DD3}" type="pres">
       <dgm:prSet presAssocID="{0ADB37A6-8DEA-4FA9-90B4-628E49E85CDE}" presName="connectorText" presStyleLbl="sibTrans2D1" presStyleIdx="1" presStyleCnt="7"/>
       <dgm:spPr/>
+      <dgm:t>
+        <a:bodyPr/>
+        <a:lstStyle/>
+        <a:p>
+          <a:endParaRPr lang="de-DE"/>
+        </a:p>
+      </dgm:t>
     </dgm:pt>
     <dgm:pt modelId="{740739C9-16DC-4E32-ABC1-AA74D93EAD4D}" type="pres">
       <dgm:prSet presAssocID="{96E24D72-5DBA-47B0-AA95-0879D952A986}" presName="node" presStyleLbl="node1" presStyleIdx="1" presStyleCnt="7">
@@ -6649,10 +6684,24 @@
     <dgm:pt modelId="{9E64A16B-44D6-409E-9F53-782DD2463033}" type="pres">
       <dgm:prSet presAssocID="{D020DFAE-FC40-41BA-9192-7C30179104AF}" presName="parTrans" presStyleLbl="sibTrans2D1" presStyleIdx="2" presStyleCnt="7"/>
       <dgm:spPr/>
+      <dgm:t>
+        <a:bodyPr/>
+        <a:lstStyle/>
+        <a:p>
+          <a:endParaRPr lang="de-DE"/>
+        </a:p>
+      </dgm:t>
     </dgm:pt>
     <dgm:pt modelId="{C5F351BE-5883-49F3-B890-08A2C9674825}" type="pres">
       <dgm:prSet presAssocID="{D020DFAE-FC40-41BA-9192-7C30179104AF}" presName="connectorText" presStyleLbl="sibTrans2D1" presStyleIdx="2" presStyleCnt="7"/>
       <dgm:spPr/>
+      <dgm:t>
+        <a:bodyPr/>
+        <a:lstStyle/>
+        <a:p>
+          <a:endParaRPr lang="de-DE"/>
+        </a:p>
+      </dgm:t>
     </dgm:pt>
     <dgm:pt modelId="{CF5F5C07-CEF1-46FA-9FD0-C3F2AAD10AE2}" type="pres">
       <dgm:prSet presAssocID="{FFE1976D-D82E-49E2-A7CC-4A9548F149E8}" presName="node" presStyleLbl="node1" presStyleIdx="2" presStyleCnt="7">
@@ -6672,10 +6721,24 @@
     <dgm:pt modelId="{2B209DF8-E17E-464F-A439-2F2D89694094}" type="pres">
       <dgm:prSet presAssocID="{D5C25E18-15A0-4578-827C-FAD5C878973B}" presName="parTrans" presStyleLbl="sibTrans2D1" presStyleIdx="3" presStyleCnt="7"/>
       <dgm:spPr/>
+      <dgm:t>
+        <a:bodyPr/>
+        <a:lstStyle/>
+        <a:p>
+          <a:endParaRPr lang="de-DE"/>
+        </a:p>
+      </dgm:t>
     </dgm:pt>
     <dgm:pt modelId="{6EBC4CF7-F025-418F-80AF-C60BC902518D}" type="pres">
       <dgm:prSet presAssocID="{D5C25E18-15A0-4578-827C-FAD5C878973B}" presName="connectorText" presStyleLbl="sibTrans2D1" presStyleIdx="3" presStyleCnt="7"/>
       <dgm:spPr/>
+      <dgm:t>
+        <a:bodyPr/>
+        <a:lstStyle/>
+        <a:p>
+          <a:endParaRPr lang="de-DE"/>
+        </a:p>
+      </dgm:t>
     </dgm:pt>
     <dgm:pt modelId="{281BF773-53C3-45E1-B2A2-83DE0E240945}" type="pres">
       <dgm:prSet presAssocID="{3F0F885A-4D06-4F3D-A51B-3D4BAAD9648D}" presName="node" presStyleLbl="node1" presStyleIdx="3" presStyleCnt="7">
@@ -6684,14 +6747,35 @@
         </dgm:presLayoutVars>
       </dgm:prSet>
       <dgm:spPr/>
+      <dgm:t>
+        <a:bodyPr/>
+        <a:lstStyle/>
+        <a:p>
+          <a:endParaRPr lang="de-DE"/>
+        </a:p>
+      </dgm:t>
     </dgm:pt>
     <dgm:pt modelId="{32FA94EB-B3AB-4E70-9664-D63941E1DECF}" type="pres">
       <dgm:prSet presAssocID="{9CBD9E1E-CB06-4C88-8AEA-3C33C32A3F81}" presName="parTrans" presStyleLbl="sibTrans2D1" presStyleIdx="4" presStyleCnt="7"/>
       <dgm:spPr/>
+      <dgm:t>
+        <a:bodyPr/>
+        <a:lstStyle/>
+        <a:p>
+          <a:endParaRPr lang="de-DE"/>
+        </a:p>
+      </dgm:t>
     </dgm:pt>
     <dgm:pt modelId="{414023BA-B8D6-491D-824C-1EA788DDD04E}" type="pres">
       <dgm:prSet presAssocID="{9CBD9E1E-CB06-4C88-8AEA-3C33C32A3F81}" presName="connectorText" presStyleLbl="sibTrans2D1" presStyleIdx="4" presStyleCnt="7"/>
       <dgm:spPr/>
+      <dgm:t>
+        <a:bodyPr/>
+        <a:lstStyle/>
+        <a:p>
+          <a:endParaRPr lang="de-DE"/>
+        </a:p>
+      </dgm:t>
     </dgm:pt>
     <dgm:pt modelId="{8ADD6AB0-FDA3-4743-A1F2-B2DAD7F9CDD2}" type="pres">
       <dgm:prSet presAssocID="{60612A92-4EBF-459D-805A-B1CD7FD68759}" presName="node" presStyleLbl="node1" presStyleIdx="4" presStyleCnt="7">
@@ -6700,14 +6784,35 @@
         </dgm:presLayoutVars>
       </dgm:prSet>
       <dgm:spPr/>
+      <dgm:t>
+        <a:bodyPr/>
+        <a:lstStyle/>
+        <a:p>
+          <a:endParaRPr lang="de-DE"/>
+        </a:p>
+      </dgm:t>
     </dgm:pt>
     <dgm:pt modelId="{539B4662-2EE1-440E-BFD1-474614C8FE05}" type="pres">
       <dgm:prSet presAssocID="{3C7638AA-D7CA-4C91-A5C6-4C5B27241DC4}" presName="parTrans" presStyleLbl="sibTrans2D1" presStyleIdx="5" presStyleCnt="7"/>
       <dgm:spPr/>
+      <dgm:t>
+        <a:bodyPr/>
+        <a:lstStyle/>
+        <a:p>
+          <a:endParaRPr lang="de-DE"/>
+        </a:p>
+      </dgm:t>
     </dgm:pt>
     <dgm:pt modelId="{ADB6BD18-6501-414C-A877-6713EAB96B61}" type="pres">
       <dgm:prSet presAssocID="{3C7638AA-D7CA-4C91-A5C6-4C5B27241DC4}" presName="connectorText" presStyleLbl="sibTrans2D1" presStyleIdx="5" presStyleCnt="7"/>
       <dgm:spPr/>
+      <dgm:t>
+        <a:bodyPr/>
+        <a:lstStyle/>
+        <a:p>
+          <a:endParaRPr lang="de-DE"/>
+        </a:p>
+      </dgm:t>
     </dgm:pt>
     <dgm:pt modelId="{1FE81467-B9FE-441F-86E7-94C067CED651}" type="pres">
       <dgm:prSet presAssocID="{AA9AF644-42A3-477D-B571-285F221BFB07}" presName="node" presStyleLbl="node1" presStyleIdx="5" presStyleCnt="7">
@@ -6727,10 +6832,24 @@
     <dgm:pt modelId="{0C431A88-421D-41A2-8E09-816B11A608E9}" type="pres">
       <dgm:prSet presAssocID="{168541DD-3EF4-48EA-A728-586B794B17F2}" presName="parTrans" presStyleLbl="sibTrans2D1" presStyleIdx="6" presStyleCnt="7"/>
       <dgm:spPr/>
+      <dgm:t>
+        <a:bodyPr/>
+        <a:lstStyle/>
+        <a:p>
+          <a:endParaRPr lang="de-DE"/>
+        </a:p>
+      </dgm:t>
     </dgm:pt>
     <dgm:pt modelId="{4DD41723-1810-49BF-8446-968700848316}" type="pres">
       <dgm:prSet presAssocID="{168541DD-3EF4-48EA-A728-586B794B17F2}" presName="connectorText" presStyleLbl="sibTrans2D1" presStyleIdx="6" presStyleCnt="7"/>
       <dgm:spPr/>
+      <dgm:t>
+        <a:bodyPr/>
+        <a:lstStyle/>
+        <a:p>
+          <a:endParaRPr lang="de-DE"/>
+        </a:p>
+      </dgm:t>
     </dgm:pt>
     <dgm:pt modelId="{5087D389-1C17-48D5-A051-9433B0AC0B1B}" type="pres">
       <dgm:prSet presAssocID="{C06597CC-6966-48C3-B01A-EE17AD2952FC}" presName="node" presStyleLbl="node1" presStyleIdx="6" presStyleCnt="7">
@@ -6749,37 +6868,37 @@
     </dgm:pt>
   </dgm:ptLst>
   <dgm:cxnLst>
+    <dgm:cxn modelId="{5B8E64AE-ABC6-4F94-A56D-25F396F2CFFB}" type="presOf" srcId="{3F0F885A-4D06-4F3D-A51B-3D4BAAD9648D}" destId="{281BF773-53C3-45E1-B2A2-83DE0E240945}" srcOrd="0" destOrd="0" presId="urn:microsoft.com/office/officeart/2005/8/layout/radial5"/>
+    <dgm:cxn modelId="{D4F3A83D-AE94-4525-BB9A-577494E0BC7A}" srcId="{186E24EF-2BDC-46CC-B725-D889F320CD6E}" destId="{865D3768-612B-43C9-B104-C6FFFDB7D29C}" srcOrd="0" destOrd="0" parTransId="{039A1448-8D7E-4B01-AF9B-2A822B973B52}" sibTransId="{3094BDD4-A2A6-426B-BB11-8689DE3E3A06}"/>
+    <dgm:cxn modelId="{9776472A-A85C-4B7D-A3EA-910E30A2D55C}" type="presOf" srcId="{3C7638AA-D7CA-4C91-A5C6-4C5B27241DC4}" destId="{ADB6BD18-6501-414C-A877-6713EAB96B61}" srcOrd="1" destOrd="0" presId="urn:microsoft.com/office/officeart/2005/8/layout/radial5"/>
+    <dgm:cxn modelId="{E746EF83-FC19-423B-ACC6-DF2E97463E93}" type="presOf" srcId="{F2492FCB-133B-4F7C-B39F-21FB83EBD95C}" destId="{35F7C1E2-E202-4DF6-8972-1F35046E507F}" srcOrd="0" destOrd="0" presId="urn:microsoft.com/office/officeart/2005/8/layout/radial5"/>
+    <dgm:cxn modelId="{3F5B0AF5-EB8D-489E-9BCC-16E34C429858}" type="presOf" srcId="{168541DD-3EF4-48EA-A728-586B794B17F2}" destId="{4DD41723-1810-49BF-8446-968700848316}" srcOrd="1" destOrd="0" presId="urn:microsoft.com/office/officeart/2005/8/layout/radial5"/>
+    <dgm:cxn modelId="{B03FA541-21CF-4DD8-8589-116436A4B572}" type="presOf" srcId="{3C7638AA-D7CA-4C91-A5C6-4C5B27241DC4}" destId="{539B4662-2EE1-440E-BFD1-474614C8FE05}" srcOrd="0" destOrd="0" presId="urn:microsoft.com/office/officeart/2005/8/layout/radial5"/>
+    <dgm:cxn modelId="{FA5F9305-3099-4583-9D0F-93D7B147D32F}" type="presOf" srcId="{9CBD9E1E-CB06-4C88-8AEA-3C33C32A3F81}" destId="{32FA94EB-B3AB-4E70-9664-D63941E1DECF}" srcOrd="0" destOrd="0" presId="urn:microsoft.com/office/officeart/2005/8/layout/radial5"/>
+    <dgm:cxn modelId="{D37A2C2D-DC1E-4299-929F-8FF0C8790A85}" type="presOf" srcId="{6F6B80E2-E8B1-4F02-922B-C97E6E4BDFB9}" destId="{8BAE6728-35BE-4B72-8751-FE9666A17461}" srcOrd="0" destOrd="0" presId="urn:microsoft.com/office/officeart/2005/8/layout/radial5"/>
+    <dgm:cxn modelId="{30256D7A-DE4C-4E84-9EE1-321E9345B281}" type="presOf" srcId="{6F6B80E2-E8B1-4F02-922B-C97E6E4BDFB9}" destId="{04A995DB-A781-412F-BCBF-BF2248B94A92}" srcOrd="1" destOrd="0" presId="urn:microsoft.com/office/officeart/2005/8/layout/radial5"/>
     <dgm:cxn modelId="{C27BE26A-A2A0-4DF8-80B3-BD70CF7A0F40}" type="presOf" srcId="{96E24D72-5DBA-47B0-AA95-0879D952A986}" destId="{740739C9-16DC-4E32-ABC1-AA74D93EAD4D}" srcOrd="0" destOrd="0" presId="urn:microsoft.com/office/officeart/2005/8/layout/radial5"/>
-    <dgm:cxn modelId="{D4F3A83D-AE94-4525-BB9A-577494E0BC7A}" srcId="{186E24EF-2BDC-46CC-B725-D889F320CD6E}" destId="{865D3768-612B-43C9-B104-C6FFFDB7D29C}" srcOrd="0" destOrd="0" parTransId="{039A1448-8D7E-4B01-AF9B-2A822B973B52}" sibTransId="{3094BDD4-A2A6-426B-BB11-8689DE3E3A06}"/>
+    <dgm:cxn modelId="{10D34571-1572-43C8-9B20-F78C5C84848C}" type="presOf" srcId="{168541DD-3EF4-48EA-A728-586B794B17F2}" destId="{0C431A88-421D-41A2-8E09-816B11A608E9}" srcOrd="0" destOrd="0" presId="urn:microsoft.com/office/officeart/2005/8/layout/radial5"/>
+    <dgm:cxn modelId="{87D738BD-3E31-4D01-B795-F6669A755FC7}" type="presOf" srcId="{D020DFAE-FC40-41BA-9192-7C30179104AF}" destId="{9E64A16B-44D6-409E-9F53-782DD2463033}" srcOrd="0" destOrd="0" presId="urn:microsoft.com/office/officeart/2005/8/layout/radial5"/>
+    <dgm:cxn modelId="{C4D40338-24DD-4C47-95CB-80E429E10A84}" srcId="{865D3768-612B-43C9-B104-C6FFFDB7D29C}" destId="{60612A92-4EBF-459D-805A-B1CD7FD68759}" srcOrd="4" destOrd="0" parTransId="{9CBD9E1E-CB06-4C88-8AEA-3C33C32A3F81}" sibTransId="{CE7EC5FF-BAB1-4F9B-B220-0DD9AB4437F2}"/>
+    <dgm:cxn modelId="{39C5856D-ED45-402E-825C-2BC8A72DCEE8}" srcId="{865D3768-612B-43C9-B104-C6FFFDB7D29C}" destId="{F2492FCB-133B-4F7C-B39F-21FB83EBD95C}" srcOrd="0" destOrd="0" parTransId="{6F6B80E2-E8B1-4F02-922B-C97E6E4BDFB9}" sibTransId="{39220A62-CC62-4616-8CC4-F08A7C9F966B}"/>
+    <dgm:cxn modelId="{C31DA631-04AE-473D-94B2-6B553E2BD73A}" type="presOf" srcId="{0ADB37A6-8DEA-4FA9-90B4-628E49E85CDE}" destId="{3A66533D-61A0-4F60-A075-A6DBDA6D2F42}" srcOrd="0" destOrd="0" presId="urn:microsoft.com/office/officeart/2005/8/layout/radial5"/>
+    <dgm:cxn modelId="{736A2FB2-1D76-4AEB-B246-F9FCAE4F134A}" srcId="{865D3768-612B-43C9-B104-C6FFFDB7D29C}" destId="{96E24D72-5DBA-47B0-AA95-0879D952A986}" srcOrd="1" destOrd="0" parTransId="{0ADB37A6-8DEA-4FA9-90B4-628E49E85CDE}" sibTransId="{3FD479CF-F393-4B57-9801-9B9DB5E89797}"/>
+    <dgm:cxn modelId="{8AB76EBD-C22A-45D6-9164-FF3ABC2E5542}" srcId="{865D3768-612B-43C9-B104-C6FFFDB7D29C}" destId="{3F0F885A-4D06-4F3D-A51B-3D4BAAD9648D}" srcOrd="3" destOrd="0" parTransId="{D5C25E18-15A0-4578-827C-FAD5C878973B}" sibTransId="{BB113BC0-0ABA-480E-AFD1-9ED9DC0A7D11}"/>
+    <dgm:cxn modelId="{A82D12C3-BDFB-4DF0-8F18-97FA20CADBDD}" type="presOf" srcId="{865D3768-612B-43C9-B104-C6FFFDB7D29C}" destId="{661A9C75-B817-42F4-8019-CA72D746E4D4}" srcOrd="0" destOrd="0" presId="urn:microsoft.com/office/officeart/2005/8/layout/radial5"/>
+    <dgm:cxn modelId="{8BCC924E-5734-4CFF-9120-17F66C7917D6}" type="presOf" srcId="{60612A92-4EBF-459D-805A-B1CD7FD68759}" destId="{8ADD6AB0-FDA3-4743-A1F2-B2DAD7F9CDD2}" srcOrd="0" destOrd="0" presId="urn:microsoft.com/office/officeart/2005/8/layout/radial5"/>
+    <dgm:cxn modelId="{E28B1261-BDEA-4CAA-A432-C5C950F8ABC9}" type="presOf" srcId="{186E24EF-2BDC-46CC-B725-D889F320CD6E}" destId="{E11BE06D-3432-4CE7-ABBE-DBECAFAB59BE}" srcOrd="0" destOrd="0" presId="urn:microsoft.com/office/officeart/2005/8/layout/radial5"/>
+    <dgm:cxn modelId="{DE2E219E-876C-493C-B98B-CC9C8C64BCAB}" srcId="{865D3768-612B-43C9-B104-C6FFFDB7D29C}" destId="{C06597CC-6966-48C3-B01A-EE17AD2952FC}" srcOrd="6" destOrd="0" parTransId="{168541DD-3EF4-48EA-A728-586B794B17F2}" sibTransId="{DFE2D44D-970A-4287-8FCF-FAF0AA5D50AB}"/>
+    <dgm:cxn modelId="{5DF8E1E6-C614-4FFA-93F2-75D24EAD8F52}" type="presOf" srcId="{D5C25E18-15A0-4578-827C-FAD5C878973B}" destId="{6EBC4CF7-F025-418F-80AF-C60BC902518D}" srcOrd="1" destOrd="0" presId="urn:microsoft.com/office/officeart/2005/8/layout/radial5"/>
+    <dgm:cxn modelId="{175CA6CE-A711-49A2-9B29-4C023A4B9EF5}" srcId="{865D3768-612B-43C9-B104-C6FFFDB7D29C}" destId="{FFE1976D-D82E-49E2-A7CC-4A9548F149E8}" srcOrd="2" destOrd="0" parTransId="{D020DFAE-FC40-41BA-9192-7C30179104AF}" sibTransId="{9C088F73-3E1D-408A-BC29-12C46D9FF9EE}"/>
+    <dgm:cxn modelId="{B64BB31D-8636-4A92-A813-8CD7B1BD9D33}" type="presOf" srcId="{D020DFAE-FC40-41BA-9192-7C30179104AF}" destId="{C5F351BE-5883-49F3-B890-08A2C9674825}" srcOrd="1" destOrd="0" presId="urn:microsoft.com/office/officeart/2005/8/layout/radial5"/>
     <dgm:cxn modelId="{38E3217D-6C75-49E6-BBDC-2213574ABB1C}" type="presOf" srcId="{FFE1976D-D82E-49E2-A7CC-4A9548F149E8}" destId="{CF5F5C07-CEF1-46FA-9FD0-C3F2AAD10AE2}" srcOrd="0" destOrd="0" presId="urn:microsoft.com/office/officeart/2005/8/layout/radial5"/>
-    <dgm:cxn modelId="{175CA6CE-A711-49A2-9B29-4C023A4B9EF5}" srcId="{865D3768-612B-43C9-B104-C6FFFDB7D29C}" destId="{FFE1976D-D82E-49E2-A7CC-4A9548F149E8}" srcOrd="2" destOrd="0" parTransId="{D020DFAE-FC40-41BA-9192-7C30179104AF}" sibTransId="{9C088F73-3E1D-408A-BC29-12C46D9FF9EE}"/>
+    <dgm:cxn modelId="{408CA76A-EA28-444A-B4A9-FEBD558FBB94}" srcId="{865D3768-612B-43C9-B104-C6FFFDB7D29C}" destId="{AA9AF644-42A3-477D-B571-285F221BFB07}" srcOrd="5" destOrd="0" parTransId="{3C7638AA-D7CA-4C91-A5C6-4C5B27241DC4}" sibTransId="{2A01F4BF-C1A2-45C2-A0D6-6DEF37BF2F7B}"/>
     <dgm:cxn modelId="{49DC673C-1B42-4C56-9B7D-18E26030CE5B}" type="presOf" srcId="{0ADB37A6-8DEA-4FA9-90B4-628E49E85CDE}" destId="{ED419E37-4A5D-4AC5-A038-3579188B5DD3}" srcOrd="1" destOrd="0" presId="urn:microsoft.com/office/officeart/2005/8/layout/radial5"/>
     <dgm:cxn modelId="{D1EDEFC3-ABBB-4FA7-9F44-DF1CA21E801C}" type="presOf" srcId="{9CBD9E1E-CB06-4C88-8AEA-3C33C32A3F81}" destId="{414023BA-B8D6-491D-824C-1EA788DDD04E}" srcOrd="1" destOrd="0" presId="urn:microsoft.com/office/officeart/2005/8/layout/radial5"/>
+    <dgm:cxn modelId="{6249533D-E173-429C-9E3D-F7C530711575}" type="presOf" srcId="{AA9AF644-42A3-477D-B571-285F221BFB07}" destId="{1FE81467-B9FE-441F-86E7-94C067CED651}" srcOrd="0" destOrd="0" presId="urn:microsoft.com/office/officeart/2005/8/layout/radial5"/>
+    <dgm:cxn modelId="{1E5B0D1A-F9AE-474B-B2B4-AA767BB6F485}" type="presOf" srcId="{D5C25E18-15A0-4578-827C-FAD5C878973B}" destId="{2B209DF8-E17E-464F-A439-2F2D89694094}" srcOrd="0" destOrd="0" presId="urn:microsoft.com/office/officeart/2005/8/layout/radial5"/>
     <dgm:cxn modelId="{8ABA2C47-09BA-4D7C-9111-000D50154290}" type="presOf" srcId="{C06597CC-6966-48C3-B01A-EE17AD2952FC}" destId="{5087D389-1C17-48D5-A051-9433B0AC0B1B}" srcOrd="0" destOrd="0" presId="urn:microsoft.com/office/officeart/2005/8/layout/radial5"/>
-    <dgm:cxn modelId="{E746EF83-FC19-423B-ACC6-DF2E97463E93}" type="presOf" srcId="{F2492FCB-133B-4F7C-B39F-21FB83EBD95C}" destId="{35F7C1E2-E202-4DF6-8972-1F35046E507F}" srcOrd="0" destOrd="0" presId="urn:microsoft.com/office/officeart/2005/8/layout/radial5"/>
-    <dgm:cxn modelId="{6249533D-E173-429C-9E3D-F7C530711575}" type="presOf" srcId="{AA9AF644-42A3-477D-B571-285F221BFB07}" destId="{1FE81467-B9FE-441F-86E7-94C067CED651}" srcOrd="0" destOrd="0" presId="urn:microsoft.com/office/officeart/2005/8/layout/radial5"/>
-    <dgm:cxn modelId="{B03FA541-21CF-4DD8-8589-116436A4B572}" type="presOf" srcId="{3C7638AA-D7CA-4C91-A5C6-4C5B27241DC4}" destId="{539B4662-2EE1-440E-BFD1-474614C8FE05}" srcOrd="0" destOrd="0" presId="urn:microsoft.com/office/officeart/2005/8/layout/radial5"/>
-    <dgm:cxn modelId="{FA5F9305-3099-4583-9D0F-93D7B147D32F}" type="presOf" srcId="{9CBD9E1E-CB06-4C88-8AEA-3C33C32A3F81}" destId="{32FA94EB-B3AB-4E70-9664-D63941E1DECF}" srcOrd="0" destOrd="0" presId="urn:microsoft.com/office/officeart/2005/8/layout/radial5"/>
-    <dgm:cxn modelId="{5B8E64AE-ABC6-4F94-A56D-25F396F2CFFB}" type="presOf" srcId="{3F0F885A-4D06-4F3D-A51B-3D4BAAD9648D}" destId="{281BF773-53C3-45E1-B2A2-83DE0E240945}" srcOrd="0" destOrd="0" presId="urn:microsoft.com/office/officeart/2005/8/layout/radial5"/>
-    <dgm:cxn modelId="{10D34571-1572-43C8-9B20-F78C5C84848C}" type="presOf" srcId="{168541DD-3EF4-48EA-A728-586B794B17F2}" destId="{0C431A88-421D-41A2-8E09-816B11A608E9}" srcOrd="0" destOrd="0" presId="urn:microsoft.com/office/officeart/2005/8/layout/radial5"/>
-    <dgm:cxn modelId="{736A2FB2-1D76-4AEB-B246-F9FCAE4F134A}" srcId="{865D3768-612B-43C9-B104-C6FFFDB7D29C}" destId="{96E24D72-5DBA-47B0-AA95-0879D952A986}" srcOrd="1" destOrd="0" parTransId="{0ADB37A6-8DEA-4FA9-90B4-628E49E85CDE}" sibTransId="{3FD479CF-F393-4B57-9801-9B9DB5E89797}"/>
-    <dgm:cxn modelId="{30256D7A-DE4C-4E84-9EE1-321E9345B281}" type="presOf" srcId="{6F6B80E2-E8B1-4F02-922B-C97E6E4BDFB9}" destId="{04A995DB-A781-412F-BCBF-BF2248B94A92}" srcOrd="1" destOrd="0" presId="urn:microsoft.com/office/officeart/2005/8/layout/radial5"/>
-    <dgm:cxn modelId="{DE2E219E-876C-493C-B98B-CC9C8C64BCAB}" srcId="{865D3768-612B-43C9-B104-C6FFFDB7D29C}" destId="{C06597CC-6966-48C3-B01A-EE17AD2952FC}" srcOrd="6" destOrd="0" parTransId="{168541DD-3EF4-48EA-A728-586B794B17F2}" sibTransId="{DFE2D44D-970A-4287-8FCF-FAF0AA5D50AB}"/>
-    <dgm:cxn modelId="{1E5B0D1A-F9AE-474B-B2B4-AA767BB6F485}" type="presOf" srcId="{D5C25E18-15A0-4578-827C-FAD5C878973B}" destId="{2B209DF8-E17E-464F-A439-2F2D89694094}" srcOrd="0" destOrd="0" presId="urn:microsoft.com/office/officeart/2005/8/layout/radial5"/>
-    <dgm:cxn modelId="{B64BB31D-8636-4A92-A813-8CD7B1BD9D33}" type="presOf" srcId="{D020DFAE-FC40-41BA-9192-7C30179104AF}" destId="{C5F351BE-5883-49F3-B890-08A2C9674825}" srcOrd="1" destOrd="0" presId="urn:microsoft.com/office/officeart/2005/8/layout/radial5"/>
-    <dgm:cxn modelId="{C4D40338-24DD-4C47-95CB-80E429E10A84}" srcId="{865D3768-612B-43C9-B104-C6FFFDB7D29C}" destId="{60612A92-4EBF-459D-805A-B1CD7FD68759}" srcOrd="4" destOrd="0" parTransId="{9CBD9E1E-CB06-4C88-8AEA-3C33C32A3F81}" sibTransId="{CE7EC5FF-BAB1-4F9B-B220-0DD9AB4437F2}"/>
-    <dgm:cxn modelId="{8BCC924E-5734-4CFF-9120-17F66C7917D6}" type="presOf" srcId="{60612A92-4EBF-459D-805A-B1CD7FD68759}" destId="{8ADD6AB0-FDA3-4743-A1F2-B2DAD7F9CDD2}" srcOrd="0" destOrd="0" presId="urn:microsoft.com/office/officeart/2005/8/layout/radial5"/>
-    <dgm:cxn modelId="{8AB76EBD-C22A-45D6-9164-FF3ABC2E5542}" srcId="{865D3768-612B-43C9-B104-C6FFFDB7D29C}" destId="{3F0F885A-4D06-4F3D-A51B-3D4BAAD9648D}" srcOrd="3" destOrd="0" parTransId="{D5C25E18-15A0-4578-827C-FAD5C878973B}" sibTransId="{BB113BC0-0ABA-480E-AFD1-9ED9DC0A7D11}"/>
-    <dgm:cxn modelId="{C31DA631-04AE-473D-94B2-6B553E2BD73A}" type="presOf" srcId="{0ADB37A6-8DEA-4FA9-90B4-628E49E85CDE}" destId="{3A66533D-61A0-4F60-A075-A6DBDA6D2F42}" srcOrd="0" destOrd="0" presId="urn:microsoft.com/office/officeart/2005/8/layout/radial5"/>
-    <dgm:cxn modelId="{E28B1261-BDEA-4CAA-A432-C5C950F8ABC9}" type="presOf" srcId="{186E24EF-2BDC-46CC-B725-D889F320CD6E}" destId="{E11BE06D-3432-4CE7-ABBE-DBECAFAB59BE}" srcOrd="0" destOrd="0" presId="urn:microsoft.com/office/officeart/2005/8/layout/radial5"/>
-    <dgm:cxn modelId="{A82D12C3-BDFB-4DF0-8F18-97FA20CADBDD}" type="presOf" srcId="{865D3768-612B-43C9-B104-C6FFFDB7D29C}" destId="{661A9C75-B817-42F4-8019-CA72D746E4D4}" srcOrd="0" destOrd="0" presId="urn:microsoft.com/office/officeart/2005/8/layout/radial5"/>
-    <dgm:cxn modelId="{D37A2C2D-DC1E-4299-929F-8FF0C8790A85}" type="presOf" srcId="{6F6B80E2-E8B1-4F02-922B-C97E6E4BDFB9}" destId="{8BAE6728-35BE-4B72-8751-FE9666A17461}" srcOrd="0" destOrd="0" presId="urn:microsoft.com/office/officeart/2005/8/layout/radial5"/>
-    <dgm:cxn modelId="{3F5B0AF5-EB8D-489E-9BCC-16E34C429858}" type="presOf" srcId="{168541DD-3EF4-48EA-A728-586B794B17F2}" destId="{4DD41723-1810-49BF-8446-968700848316}" srcOrd="1" destOrd="0" presId="urn:microsoft.com/office/officeart/2005/8/layout/radial5"/>
-    <dgm:cxn modelId="{408CA76A-EA28-444A-B4A9-FEBD558FBB94}" srcId="{865D3768-612B-43C9-B104-C6FFFDB7D29C}" destId="{AA9AF644-42A3-477D-B571-285F221BFB07}" srcOrd="5" destOrd="0" parTransId="{3C7638AA-D7CA-4C91-A5C6-4C5B27241DC4}" sibTransId="{2A01F4BF-C1A2-45C2-A0D6-6DEF37BF2F7B}"/>
-    <dgm:cxn modelId="{9776472A-A85C-4B7D-A3EA-910E30A2D55C}" type="presOf" srcId="{3C7638AA-D7CA-4C91-A5C6-4C5B27241DC4}" destId="{ADB6BD18-6501-414C-A877-6713EAB96B61}" srcOrd="1" destOrd="0" presId="urn:microsoft.com/office/officeart/2005/8/layout/radial5"/>
-    <dgm:cxn modelId="{87D738BD-3E31-4D01-B795-F6669A755FC7}" type="presOf" srcId="{D020DFAE-FC40-41BA-9192-7C30179104AF}" destId="{9E64A16B-44D6-409E-9F53-782DD2463033}" srcOrd="0" destOrd="0" presId="urn:microsoft.com/office/officeart/2005/8/layout/radial5"/>
-    <dgm:cxn modelId="{5DF8E1E6-C614-4FFA-93F2-75D24EAD8F52}" type="presOf" srcId="{D5C25E18-15A0-4578-827C-FAD5C878973B}" destId="{6EBC4CF7-F025-418F-80AF-C60BC902518D}" srcOrd="1" destOrd="0" presId="urn:microsoft.com/office/officeart/2005/8/layout/radial5"/>
-    <dgm:cxn modelId="{39C5856D-ED45-402E-825C-2BC8A72DCEE8}" srcId="{865D3768-612B-43C9-B104-C6FFFDB7D29C}" destId="{F2492FCB-133B-4F7C-B39F-21FB83EBD95C}" srcOrd="0" destOrd="0" parTransId="{6F6B80E2-E8B1-4F02-922B-C97E6E4BDFB9}" sibTransId="{39220A62-CC62-4616-8CC4-F08A7C9F966B}"/>
     <dgm:cxn modelId="{BE28CE3A-0AC5-49D9-B7D7-18AA9396D919}" type="presParOf" srcId="{E11BE06D-3432-4CE7-ABBE-DBECAFAB59BE}" destId="{661A9C75-B817-42F4-8019-CA72D746E4D4}" srcOrd="0" destOrd="0" presId="urn:microsoft.com/office/officeart/2005/8/layout/radial5"/>
     <dgm:cxn modelId="{3FC849CC-8361-4A69-801F-5357D4B9DC61}" type="presParOf" srcId="{E11BE06D-3432-4CE7-ABBE-DBECAFAB59BE}" destId="{8BAE6728-35BE-4B72-8751-FE9666A17461}" srcOrd="1" destOrd="0" presId="urn:microsoft.com/office/officeart/2005/8/layout/radial5"/>
     <dgm:cxn modelId="{70E14BE1-07D0-4958-BAE3-C2A34D2AF107}" type="presParOf" srcId="{8BAE6728-35BE-4B72-8751-FE9666A17461}" destId="{04A995DB-A781-412F-BCBF-BF2248B94A92}" srcOrd="0" destOrd="0" presId="urn:microsoft.com/office/officeart/2005/8/layout/radial5"/>
@@ -7172,6 +7291,13 @@
         </dgm:presLayoutVars>
       </dgm:prSet>
       <dgm:spPr/>
+      <dgm:t>
+        <a:bodyPr/>
+        <a:lstStyle/>
+        <a:p>
+          <a:endParaRPr lang="de-DE"/>
+        </a:p>
+      </dgm:t>
     </dgm:pt>
     <dgm:pt modelId="{661A9C75-B817-42F4-8019-CA72D746E4D4}" type="pres">
       <dgm:prSet presAssocID="{865D3768-612B-43C9-B104-C6FFFDB7D29C}" presName="centerShape" presStyleLbl="node0" presStyleIdx="0" presStyleCnt="1"/>
@@ -7187,10 +7313,24 @@
     <dgm:pt modelId="{8BAE6728-35BE-4B72-8751-FE9666A17461}" type="pres">
       <dgm:prSet presAssocID="{6F6B80E2-E8B1-4F02-922B-C97E6E4BDFB9}" presName="parTrans" presStyleLbl="sibTrans2D1" presStyleIdx="0" presStyleCnt="6"/>
       <dgm:spPr/>
+      <dgm:t>
+        <a:bodyPr/>
+        <a:lstStyle/>
+        <a:p>
+          <a:endParaRPr lang="de-DE"/>
+        </a:p>
+      </dgm:t>
     </dgm:pt>
     <dgm:pt modelId="{04A995DB-A781-412F-BCBF-BF2248B94A92}" type="pres">
       <dgm:prSet presAssocID="{6F6B80E2-E8B1-4F02-922B-C97E6E4BDFB9}" presName="connectorText" presStyleLbl="sibTrans2D1" presStyleIdx="0" presStyleCnt="6"/>
       <dgm:spPr/>
+      <dgm:t>
+        <a:bodyPr/>
+        <a:lstStyle/>
+        <a:p>
+          <a:endParaRPr lang="de-DE"/>
+        </a:p>
+      </dgm:t>
     </dgm:pt>
     <dgm:pt modelId="{35F7C1E2-E202-4DF6-8972-1F35046E507F}" type="pres">
       <dgm:prSet presAssocID="{F2492FCB-133B-4F7C-B39F-21FB83EBD95C}" presName="node" presStyleLbl="node1" presStyleIdx="0" presStyleCnt="6">
@@ -7210,10 +7350,24 @@
     <dgm:pt modelId="{3A66533D-61A0-4F60-A075-A6DBDA6D2F42}" type="pres">
       <dgm:prSet presAssocID="{0ADB37A6-8DEA-4FA9-90B4-628E49E85CDE}" presName="parTrans" presStyleLbl="sibTrans2D1" presStyleIdx="1" presStyleCnt="6"/>
       <dgm:spPr/>
+      <dgm:t>
+        <a:bodyPr/>
+        <a:lstStyle/>
+        <a:p>
+          <a:endParaRPr lang="de-DE"/>
+        </a:p>
+      </dgm:t>
     </dgm:pt>
     <dgm:pt modelId="{ED419E37-4A5D-4AC5-A038-3579188B5DD3}" type="pres">
       <dgm:prSet presAssocID="{0ADB37A6-8DEA-4FA9-90B4-628E49E85CDE}" presName="connectorText" presStyleLbl="sibTrans2D1" presStyleIdx="1" presStyleCnt="6"/>
       <dgm:spPr/>
+      <dgm:t>
+        <a:bodyPr/>
+        <a:lstStyle/>
+        <a:p>
+          <a:endParaRPr lang="de-DE"/>
+        </a:p>
+      </dgm:t>
     </dgm:pt>
     <dgm:pt modelId="{740739C9-16DC-4E32-ABC1-AA74D93EAD4D}" type="pres">
       <dgm:prSet presAssocID="{96E24D72-5DBA-47B0-AA95-0879D952A986}" presName="node" presStyleLbl="node1" presStyleIdx="1" presStyleCnt="6">
@@ -7233,10 +7387,24 @@
     <dgm:pt modelId="{9E64A16B-44D6-409E-9F53-782DD2463033}" type="pres">
       <dgm:prSet presAssocID="{D020DFAE-FC40-41BA-9192-7C30179104AF}" presName="parTrans" presStyleLbl="sibTrans2D1" presStyleIdx="2" presStyleCnt="6"/>
       <dgm:spPr/>
+      <dgm:t>
+        <a:bodyPr/>
+        <a:lstStyle/>
+        <a:p>
+          <a:endParaRPr lang="de-DE"/>
+        </a:p>
+      </dgm:t>
     </dgm:pt>
     <dgm:pt modelId="{C5F351BE-5883-49F3-B890-08A2C9674825}" type="pres">
       <dgm:prSet presAssocID="{D020DFAE-FC40-41BA-9192-7C30179104AF}" presName="connectorText" presStyleLbl="sibTrans2D1" presStyleIdx="2" presStyleCnt="6"/>
       <dgm:spPr/>
+      <dgm:t>
+        <a:bodyPr/>
+        <a:lstStyle/>
+        <a:p>
+          <a:endParaRPr lang="de-DE"/>
+        </a:p>
+      </dgm:t>
     </dgm:pt>
     <dgm:pt modelId="{CF5F5C07-CEF1-46FA-9FD0-C3F2AAD10AE2}" type="pres">
       <dgm:prSet presAssocID="{FFE1976D-D82E-49E2-A7CC-4A9548F149E8}" presName="node" presStyleLbl="node1" presStyleIdx="2" presStyleCnt="6">
@@ -7256,10 +7424,24 @@
     <dgm:pt modelId="{2B209DF8-E17E-464F-A439-2F2D89694094}" type="pres">
       <dgm:prSet presAssocID="{D5C25E18-15A0-4578-827C-FAD5C878973B}" presName="parTrans" presStyleLbl="sibTrans2D1" presStyleIdx="3" presStyleCnt="6"/>
       <dgm:spPr/>
+      <dgm:t>
+        <a:bodyPr/>
+        <a:lstStyle/>
+        <a:p>
+          <a:endParaRPr lang="de-DE"/>
+        </a:p>
+      </dgm:t>
     </dgm:pt>
     <dgm:pt modelId="{6EBC4CF7-F025-418F-80AF-C60BC902518D}" type="pres">
       <dgm:prSet presAssocID="{D5C25E18-15A0-4578-827C-FAD5C878973B}" presName="connectorText" presStyleLbl="sibTrans2D1" presStyleIdx="3" presStyleCnt="6"/>
       <dgm:spPr/>
+      <dgm:t>
+        <a:bodyPr/>
+        <a:lstStyle/>
+        <a:p>
+          <a:endParaRPr lang="de-DE"/>
+        </a:p>
+      </dgm:t>
     </dgm:pt>
     <dgm:pt modelId="{281BF773-53C3-45E1-B2A2-83DE0E240945}" type="pres">
       <dgm:prSet presAssocID="{3F0F885A-4D06-4F3D-A51B-3D4BAAD9648D}" presName="node" presStyleLbl="node1" presStyleIdx="3" presStyleCnt="6">
@@ -7279,10 +7461,24 @@
     <dgm:pt modelId="{32FA94EB-B3AB-4E70-9664-D63941E1DECF}" type="pres">
       <dgm:prSet presAssocID="{9CBD9E1E-CB06-4C88-8AEA-3C33C32A3F81}" presName="parTrans" presStyleLbl="sibTrans2D1" presStyleIdx="4" presStyleCnt="6"/>
       <dgm:spPr/>
+      <dgm:t>
+        <a:bodyPr/>
+        <a:lstStyle/>
+        <a:p>
+          <a:endParaRPr lang="de-DE"/>
+        </a:p>
+      </dgm:t>
     </dgm:pt>
     <dgm:pt modelId="{414023BA-B8D6-491D-824C-1EA788DDD04E}" type="pres">
       <dgm:prSet presAssocID="{9CBD9E1E-CB06-4C88-8AEA-3C33C32A3F81}" presName="connectorText" presStyleLbl="sibTrans2D1" presStyleIdx="4" presStyleCnt="6"/>
       <dgm:spPr/>
+      <dgm:t>
+        <a:bodyPr/>
+        <a:lstStyle/>
+        <a:p>
+          <a:endParaRPr lang="de-DE"/>
+        </a:p>
+      </dgm:t>
     </dgm:pt>
     <dgm:pt modelId="{8ADD6AB0-FDA3-4743-A1F2-B2DAD7F9CDD2}" type="pres">
       <dgm:prSet presAssocID="{60612A92-4EBF-459D-805A-B1CD7FD68759}" presName="node" presStyleLbl="node1" presStyleIdx="4" presStyleCnt="6">
@@ -7302,10 +7498,24 @@
     <dgm:pt modelId="{0C431A88-421D-41A2-8E09-816B11A608E9}" type="pres">
       <dgm:prSet presAssocID="{168541DD-3EF4-48EA-A728-586B794B17F2}" presName="parTrans" presStyleLbl="sibTrans2D1" presStyleIdx="5" presStyleCnt="6"/>
       <dgm:spPr/>
+      <dgm:t>
+        <a:bodyPr/>
+        <a:lstStyle/>
+        <a:p>
+          <a:endParaRPr lang="de-DE"/>
+        </a:p>
+      </dgm:t>
     </dgm:pt>
     <dgm:pt modelId="{4DD41723-1810-49BF-8446-968700848316}" type="pres">
       <dgm:prSet presAssocID="{168541DD-3EF4-48EA-A728-586B794B17F2}" presName="connectorText" presStyleLbl="sibTrans2D1" presStyleIdx="5" presStyleCnt="6"/>
       <dgm:spPr/>
+      <dgm:t>
+        <a:bodyPr/>
+        <a:lstStyle/>
+        <a:p>
+          <a:endParaRPr lang="de-DE"/>
+        </a:p>
+      </dgm:t>
     </dgm:pt>
     <dgm:pt modelId="{5087D389-1C17-48D5-A051-9433B0AC0B1B}" type="pres">
       <dgm:prSet presAssocID="{C06597CC-6966-48C3-B01A-EE17AD2952FC}" presName="node" presStyleLbl="node1" presStyleIdx="5" presStyleCnt="6">
@@ -7324,33 +7534,33 @@
     </dgm:pt>
   </dgm:ptLst>
   <dgm:cxnLst>
+    <dgm:cxn modelId="{5B8E64AE-ABC6-4F94-A56D-25F396F2CFFB}" type="presOf" srcId="{3F0F885A-4D06-4F3D-A51B-3D4BAAD9648D}" destId="{281BF773-53C3-45E1-B2A2-83DE0E240945}" srcOrd="0" destOrd="0" presId="urn:microsoft.com/office/officeart/2005/8/layout/radial5"/>
+    <dgm:cxn modelId="{D4F3A83D-AE94-4525-BB9A-577494E0BC7A}" srcId="{186E24EF-2BDC-46CC-B725-D889F320CD6E}" destId="{865D3768-612B-43C9-B104-C6FFFDB7D29C}" srcOrd="0" destOrd="0" parTransId="{039A1448-8D7E-4B01-AF9B-2A822B973B52}" sibTransId="{3094BDD4-A2A6-426B-BB11-8689DE3E3A06}"/>
+    <dgm:cxn modelId="{E746EF83-FC19-423B-ACC6-DF2E97463E93}" type="presOf" srcId="{F2492FCB-133B-4F7C-B39F-21FB83EBD95C}" destId="{35F7C1E2-E202-4DF6-8972-1F35046E507F}" srcOrd="0" destOrd="0" presId="urn:microsoft.com/office/officeart/2005/8/layout/radial5"/>
+    <dgm:cxn modelId="{3F5B0AF5-EB8D-489E-9BCC-16E34C429858}" type="presOf" srcId="{168541DD-3EF4-48EA-A728-586B794B17F2}" destId="{4DD41723-1810-49BF-8446-968700848316}" srcOrd="1" destOrd="0" presId="urn:microsoft.com/office/officeart/2005/8/layout/radial5"/>
+    <dgm:cxn modelId="{FA5F9305-3099-4583-9D0F-93D7B147D32F}" type="presOf" srcId="{9CBD9E1E-CB06-4C88-8AEA-3C33C32A3F81}" destId="{32FA94EB-B3AB-4E70-9664-D63941E1DECF}" srcOrd="0" destOrd="0" presId="urn:microsoft.com/office/officeart/2005/8/layout/radial5"/>
+    <dgm:cxn modelId="{D37A2C2D-DC1E-4299-929F-8FF0C8790A85}" type="presOf" srcId="{6F6B80E2-E8B1-4F02-922B-C97E6E4BDFB9}" destId="{8BAE6728-35BE-4B72-8751-FE9666A17461}" srcOrd="0" destOrd="0" presId="urn:microsoft.com/office/officeart/2005/8/layout/radial5"/>
+    <dgm:cxn modelId="{30256D7A-DE4C-4E84-9EE1-321E9345B281}" type="presOf" srcId="{6F6B80E2-E8B1-4F02-922B-C97E6E4BDFB9}" destId="{04A995DB-A781-412F-BCBF-BF2248B94A92}" srcOrd="1" destOrd="0" presId="urn:microsoft.com/office/officeart/2005/8/layout/radial5"/>
     <dgm:cxn modelId="{C27BE26A-A2A0-4DF8-80B3-BD70CF7A0F40}" type="presOf" srcId="{96E24D72-5DBA-47B0-AA95-0879D952A986}" destId="{740739C9-16DC-4E32-ABC1-AA74D93EAD4D}" srcOrd="0" destOrd="0" presId="urn:microsoft.com/office/officeart/2005/8/layout/radial5"/>
-    <dgm:cxn modelId="{D4F3A83D-AE94-4525-BB9A-577494E0BC7A}" srcId="{186E24EF-2BDC-46CC-B725-D889F320CD6E}" destId="{865D3768-612B-43C9-B104-C6FFFDB7D29C}" srcOrd="0" destOrd="0" parTransId="{039A1448-8D7E-4B01-AF9B-2A822B973B52}" sibTransId="{3094BDD4-A2A6-426B-BB11-8689DE3E3A06}"/>
+    <dgm:cxn modelId="{10D34571-1572-43C8-9B20-F78C5C84848C}" type="presOf" srcId="{168541DD-3EF4-48EA-A728-586B794B17F2}" destId="{0C431A88-421D-41A2-8E09-816B11A608E9}" srcOrd="0" destOrd="0" presId="urn:microsoft.com/office/officeart/2005/8/layout/radial5"/>
+    <dgm:cxn modelId="{87D738BD-3E31-4D01-B795-F6669A755FC7}" type="presOf" srcId="{D020DFAE-FC40-41BA-9192-7C30179104AF}" destId="{9E64A16B-44D6-409E-9F53-782DD2463033}" srcOrd="0" destOrd="0" presId="urn:microsoft.com/office/officeart/2005/8/layout/radial5"/>
+    <dgm:cxn modelId="{C4D40338-24DD-4C47-95CB-80E429E10A84}" srcId="{865D3768-612B-43C9-B104-C6FFFDB7D29C}" destId="{60612A92-4EBF-459D-805A-B1CD7FD68759}" srcOrd="4" destOrd="0" parTransId="{9CBD9E1E-CB06-4C88-8AEA-3C33C32A3F81}" sibTransId="{CE7EC5FF-BAB1-4F9B-B220-0DD9AB4437F2}"/>
+    <dgm:cxn modelId="{39C5856D-ED45-402E-825C-2BC8A72DCEE8}" srcId="{865D3768-612B-43C9-B104-C6FFFDB7D29C}" destId="{F2492FCB-133B-4F7C-B39F-21FB83EBD95C}" srcOrd="0" destOrd="0" parTransId="{6F6B80E2-E8B1-4F02-922B-C97E6E4BDFB9}" sibTransId="{39220A62-CC62-4616-8CC4-F08A7C9F966B}"/>
+    <dgm:cxn modelId="{C31DA631-04AE-473D-94B2-6B553E2BD73A}" type="presOf" srcId="{0ADB37A6-8DEA-4FA9-90B4-628E49E85CDE}" destId="{3A66533D-61A0-4F60-A075-A6DBDA6D2F42}" srcOrd="0" destOrd="0" presId="urn:microsoft.com/office/officeart/2005/8/layout/radial5"/>
+    <dgm:cxn modelId="{736A2FB2-1D76-4AEB-B246-F9FCAE4F134A}" srcId="{865D3768-612B-43C9-B104-C6FFFDB7D29C}" destId="{96E24D72-5DBA-47B0-AA95-0879D952A986}" srcOrd="1" destOrd="0" parTransId="{0ADB37A6-8DEA-4FA9-90B4-628E49E85CDE}" sibTransId="{3FD479CF-F393-4B57-9801-9B9DB5E89797}"/>
+    <dgm:cxn modelId="{8AB76EBD-C22A-45D6-9164-FF3ABC2E5542}" srcId="{865D3768-612B-43C9-B104-C6FFFDB7D29C}" destId="{3F0F885A-4D06-4F3D-A51B-3D4BAAD9648D}" srcOrd="3" destOrd="0" parTransId="{D5C25E18-15A0-4578-827C-FAD5C878973B}" sibTransId="{BB113BC0-0ABA-480E-AFD1-9ED9DC0A7D11}"/>
+    <dgm:cxn modelId="{A82D12C3-BDFB-4DF0-8F18-97FA20CADBDD}" type="presOf" srcId="{865D3768-612B-43C9-B104-C6FFFDB7D29C}" destId="{661A9C75-B817-42F4-8019-CA72D746E4D4}" srcOrd="0" destOrd="0" presId="urn:microsoft.com/office/officeart/2005/8/layout/radial5"/>
+    <dgm:cxn modelId="{8BCC924E-5734-4CFF-9120-17F66C7917D6}" type="presOf" srcId="{60612A92-4EBF-459D-805A-B1CD7FD68759}" destId="{8ADD6AB0-FDA3-4743-A1F2-B2DAD7F9CDD2}" srcOrd="0" destOrd="0" presId="urn:microsoft.com/office/officeart/2005/8/layout/radial5"/>
+    <dgm:cxn modelId="{E28B1261-BDEA-4CAA-A432-C5C950F8ABC9}" type="presOf" srcId="{186E24EF-2BDC-46CC-B725-D889F320CD6E}" destId="{E11BE06D-3432-4CE7-ABBE-DBECAFAB59BE}" srcOrd="0" destOrd="0" presId="urn:microsoft.com/office/officeart/2005/8/layout/radial5"/>
+    <dgm:cxn modelId="{DE2E219E-876C-493C-B98B-CC9C8C64BCAB}" srcId="{865D3768-612B-43C9-B104-C6FFFDB7D29C}" destId="{C06597CC-6966-48C3-B01A-EE17AD2952FC}" srcOrd="5" destOrd="0" parTransId="{168541DD-3EF4-48EA-A728-586B794B17F2}" sibTransId="{DFE2D44D-970A-4287-8FCF-FAF0AA5D50AB}"/>
+    <dgm:cxn modelId="{5DF8E1E6-C614-4FFA-93F2-75D24EAD8F52}" type="presOf" srcId="{D5C25E18-15A0-4578-827C-FAD5C878973B}" destId="{6EBC4CF7-F025-418F-80AF-C60BC902518D}" srcOrd="1" destOrd="0" presId="urn:microsoft.com/office/officeart/2005/8/layout/radial5"/>
+    <dgm:cxn modelId="{175CA6CE-A711-49A2-9B29-4C023A4B9EF5}" srcId="{865D3768-612B-43C9-B104-C6FFFDB7D29C}" destId="{FFE1976D-D82E-49E2-A7CC-4A9548F149E8}" srcOrd="2" destOrd="0" parTransId="{D020DFAE-FC40-41BA-9192-7C30179104AF}" sibTransId="{9C088F73-3E1D-408A-BC29-12C46D9FF9EE}"/>
+    <dgm:cxn modelId="{B64BB31D-8636-4A92-A813-8CD7B1BD9D33}" type="presOf" srcId="{D020DFAE-FC40-41BA-9192-7C30179104AF}" destId="{C5F351BE-5883-49F3-B890-08A2C9674825}" srcOrd="1" destOrd="0" presId="urn:microsoft.com/office/officeart/2005/8/layout/radial5"/>
     <dgm:cxn modelId="{38E3217D-6C75-49E6-BBDC-2213574ABB1C}" type="presOf" srcId="{FFE1976D-D82E-49E2-A7CC-4A9548F149E8}" destId="{CF5F5C07-CEF1-46FA-9FD0-C3F2AAD10AE2}" srcOrd="0" destOrd="0" presId="urn:microsoft.com/office/officeart/2005/8/layout/radial5"/>
-    <dgm:cxn modelId="{175CA6CE-A711-49A2-9B29-4C023A4B9EF5}" srcId="{865D3768-612B-43C9-B104-C6FFFDB7D29C}" destId="{FFE1976D-D82E-49E2-A7CC-4A9548F149E8}" srcOrd="2" destOrd="0" parTransId="{D020DFAE-FC40-41BA-9192-7C30179104AF}" sibTransId="{9C088F73-3E1D-408A-BC29-12C46D9FF9EE}"/>
+    <dgm:cxn modelId="{D1EDEFC3-ABBB-4FA7-9F44-DF1CA21E801C}" type="presOf" srcId="{9CBD9E1E-CB06-4C88-8AEA-3C33C32A3F81}" destId="{414023BA-B8D6-491D-824C-1EA788DDD04E}" srcOrd="1" destOrd="0" presId="urn:microsoft.com/office/officeart/2005/8/layout/radial5"/>
     <dgm:cxn modelId="{49DC673C-1B42-4C56-9B7D-18E26030CE5B}" type="presOf" srcId="{0ADB37A6-8DEA-4FA9-90B4-628E49E85CDE}" destId="{ED419E37-4A5D-4AC5-A038-3579188B5DD3}" srcOrd="1" destOrd="0" presId="urn:microsoft.com/office/officeart/2005/8/layout/radial5"/>
+    <dgm:cxn modelId="{1E5B0D1A-F9AE-474B-B2B4-AA767BB6F485}" type="presOf" srcId="{D5C25E18-15A0-4578-827C-FAD5C878973B}" destId="{2B209DF8-E17E-464F-A439-2F2D89694094}" srcOrd="0" destOrd="0" presId="urn:microsoft.com/office/officeart/2005/8/layout/radial5"/>
     <dgm:cxn modelId="{8ABA2C47-09BA-4D7C-9111-000D50154290}" type="presOf" srcId="{C06597CC-6966-48C3-B01A-EE17AD2952FC}" destId="{5087D389-1C17-48D5-A051-9433B0AC0B1B}" srcOrd="0" destOrd="0" presId="urn:microsoft.com/office/officeart/2005/8/layout/radial5"/>
-    <dgm:cxn modelId="{D1EDEFC3-ABBB-4FA7-9F44-DF1CA21E801C}" type="presOf" srcId="{9CBD9E1E-CB06-4C88-8AEA-3C33C32A3F81}" destId="{414023BA-B8D6-491D-824C-1EA788DDD04E}" srcOrd="1" destOrd="0" presId="urn:microsoft.com/office/officeart/2005/8/layout/radial5"/>
-    <dgm:cxn modelId="{E746EF83-FC19-423B-ACC6-DF2E97463E93}" type="presOf" srcId="{F2492FCB-133B-4F7C-B39F-21FB83EBD95C}" destId="{35F7C1E2-E202-4DF6-8972-1F35046E507F}" srcOrd="0" destOrd="0" presId="urn:microsoft.com/office/officeart/2005/8/layout/radial5"/>
-    <dgm:cxn modelId="{FA5F9305-3099-4583-9D0F-93D7B147D32F}" type="presOf" srcId="{9CBD9E1E-CB06-4C88-8AEA-3C33C32A3F81}" destId="{32FA94EB-B3AB-4E70-9664-D63941E1DECF}" srcOrd="0" destOrd="0" presId="urn:microsoft.com/office/officeart/2005/8/layout/radial5"/>
-    <dgm:cxn modelId="{5B8E64AE-ABC6-4F94-A56D-25F396F2CFFB}" type="presOf" srcId="{3F0F885A-4D06-4F3D-A51B-3D4BAAD9648D}" destId="{281BF773-53C3-45E1-B2A2-83DE0E240945}" srcOrd="0" destOrd="0" presId="urn:microsoft.com/office/officeart/2005/8/layout/radial5"/>
-    <dgm:cxn modelId="{10D34571-1572-43C8-9B20-F78C5C84848C}" type="presOf" srcId="{168541DD-3EF4-48EA-A728-586B794B17F2}" destId="{0C431A88-421D-41A2-8E09-816B11A608E9}" srcOrd="0" destOrd="0" presId="urn:microsoft.com/office/officeart/2005/8/layout/radial5"/>
-    <dgm:cxn modelId="{736A2FB2-1D76-4AEB-B246-F9FCAE4F134A}" srcId="{865D3768-612B-43C9-B104-C6FFFDB7D29C}" destId="{96E24D72-5DBA-47B0-AA95-0879D952A986}" srcOrd="1" destOrd="0" parTransId="{0ADB37A6-8DEA-4FA9-90B4-628E49E85CDE}" sibTransId="{3FD479CF-F393-4B57-9801-9B9DB5E89797}"/>
-    <dgm:cxn modelId="{DE2E219E-876C-493C-B98B-CC9C8C64BCAB}" srcId="{865D3768-612B-43C9-B104-C6FFFDB7D29C}" destId="{C06597CC-6966-48C3-B01A-EE17AD2952FC}" srcOrd="5" destOrd="0" parTransId="{168541DD-3EF4-48EA-A728-586B794B17F2}" sibTransId="{DFE2D44D-970A-4287-8FCF-FAF0AA5D50AB}"/>
-    <dgm:cxn modelId="{30256D7A-DE4C-4E84-9EE1-321E9345B281}" type="presOf" srcId="{6F6B80E2-E8B1-4F02-922B-C97E6E4BDFB9}" destId="{04A995DB-A781-412F-BCBF-BF2248B94A92}" srcOrd="1" destOrd="0" presId="urn:microsoft.com/office/officeart/2005/8/layout/radial5"/>
-    <dgm:cxn modelId="{1E5B0D1A-F9AE-474B-B2B4-AA767BB6F485}" type="presOf" srcId="{D5C25E18-15A0-4578-827C-FAD5C878973B}" destId="{2B209DF8-E17E-464F-A439-2F2D89694094}" srcOrd="0" destOrd="0" presId="urn:microsoft.com/office/officeart/2005/8/layout/radial5"/>
-    <dgm:cxn modelId="{B64BB31D-8636-4A92-A813-8CD7B1BD9D33}" type="presOf" srcId="{D020DFAE-FC40-41BA-9192-7C30179104AF}" destId="{C5F351BE-5883-49F3-B890-08A2C9674825}" srcOrd="1" destOrd="0" presId="urn:microsoft.com/office/officeart/2005/8/layout/radial5"/>
-    <dgm:cxn modelId="{C4D40338-24DD-4C47-95CB-80E429E10A84}" srcId="{865D3768-612B-43C9-B104-C6FFFDB7D29C}" destId="{60612A92-4EBF-459D-805A-B1CD7FD68759}" srcOrd="4" destOrd="0" parTransId="{9CBD9E1E-CB06-4C88-8AEA-3C33C32A3F81}" sibTransId="{CE7EC5FF-BAB1-4F9B-B220-0DD9AB4437F2}"/>
-    <dgm:cxn modelId="{8BCC924E-5734-4CFF-9120-17F66C7917D6}" type="presOf" srcId="{60612A92-4EBF-459D-805A-B1CD7FD68759}" destId="{8ADD6AB0-FDA3-4743-A1F2-B2DAD7F9CDD2}" srcOrd="0" destOrd="0" presId="urn:microsoft.com/office/officeart/2005/8/layout/radial5"/>
-    <dgm:cxn modelId="{8AB76EBD-C22A-45D6-9164-FF3ABC2E5542}" srcId="{865D3768-612B-43C9-B104-C6FFFDB7D29C}" destId="{3F0F885A-4D06-4F3D-A51B-3D4BAAD9648D}" srcOrd="3" destOrd="0" parTransId="{D5C25E18-15A0-4578-827C-FAD5C878973B}" sibTransId="{BB113BC0-0ABA-480E-AFD1-9ED9DC0A7D11}"/>
-    <dgm:cxn modelId="{C31DA631-04AE-473D-94B2-6B553E2BD73A}" type="presOf" srcId="{0ADB37A6-8DEA-4FA9-90B4-628E49E85CDE}" destId="{3A66533D-61A0-4F60-A075-A6DBDA6D2F42}" srcOrd="0" destOrd="0" presId="urn:microsoft.com/office/officeart/2005/8/layout/radial5"/>
-    <dgm:cxn modelId="{E28B1261-BDEA-4CAA-A432-C5C950F8ABC9}" type="presOf" srcId="{186E24EF-2BDC-46CC-B725-D889F320CD6E}" destId="{E11BE06D-3432-4CE7-ABBE-DBECAFAB59BE}" srcOrd="0" destOrd="0" presId="urn:microsoft.com/office/officeart/2005/8/layout/radial5"/>
-    <dgm:cxn modelId="{A82D12C3-BDFB-4DF0-8F18-97FA20CADBDD}" type="presOf" srcId="{865D3768-612B-43C9-B104-C6FFFDB7D29C}" destId="{661A9C75-B817-42F4-8019-CA72D746E4D4}" srcOrd="0" destOrd="0" presId="urn:microsoft.com/office/officeart/2005/8/layout/radial5"/>
-    <dgm:cxn modelId="{D37A2C2D-DC1E-4299-929F-8FF0C8790A85}" type="presOf" srcId="{6F6B80E2-E8B1-4F02-922B-C97E6E4BDFB9}" destId="{8BAE6728-35BE-4B72-8751-FE9666A17461}" srcOrd="0" destOrd="0" presId="urn:microsoft.com/office/officeart/2005/8/layout/radial5"/>
-    <dgm:cxn modelId="{3F5B0AF5-EB8D-489E-9BCC-16E34C429858}" type="presOf" srcId="{168541DD-3EF4-48EA-A728-586B794B17F2}" destId="{4DD41723-1810-49BF-8446-968700848316}" srcOrd="1" destOrd="0" presId="urn:microsoft.com/office/officeart/2005/8/layout/radial5"/>
-    <dgm:cxn modelId="{87D738BD-3E31-4D01-B795-F6669A755FC7}" type="presOf" srcId="{D020DFAE-FC40-41BA-9192-7C30179104AF}" destId="{9E64A16B-44D6-409E-9F53-782DD2463033}" srcOrd="0" destOrd="0" presId="urn:microsoft.com/office/officeart/2005/8/layout/radial5"/>
-    <dgm:cxn modelId="{5DF8E1E6-C614-4FFA-93F2-75D24EAD8F52}" type="presOf" srcId="{D5C25E18-15A0-4578-827C-FAD5C878973B}" destId="{6EBC4CF7-F025-418F-80AF-C60BC902518D}" srcOrd="1" destOrd="0" presId="urn:microsoft.com/office/officeart/2005/8/layout/radial5"/>
-    <dgm:cxn modelId="{39C5856D-ED45-402E-825C-2BC8A72DCEE8}" srcId="{865D3768-612B-43C9-B104-C6FFFDB7D29C}" destId="{F2492FCB-133B-4F7C-B39F-21FB83EBD95C}" srcOrd="0" destOrd="0" parTransId="{6F6B80E2-E8B1-4F02-922B-C97E6E4BDFB9}" sibTransId="{39220A62-CC62-4616-8CC4-F08A7C9F966B}"/>
     <dgm:cxn modelId="{BE28CE3A-0AC5-49D9-B7D7-18AA9396D919}" type="presParOf" srcId="{E11BE06D-3432-4CE7-ABBE-DBECAFAB59BE}" destId="{661A9C75-B817-42F4-8019-CA72D746E4D4}" srcOrd="0" destOrd="0" presId="urn:microsoft.com/office/officeart/2005/8/layout/radial5"/>
     <dgm:cxn modelId="{3FC849CC-8361-4A69-801F-5357D4B9DC61}" type="presParOf" srcId="{E11BE06D-3432-4CE7-ABBE-DBECAFAB59BE}" destId="{8BAE6728-35BE-4B72-8751-FE9666A17461}" srcOrd="1" destOrd="0" presId="urn:microsoft.com/office/officeart/2005/8/layout/radial5"/>
     <dgm:cxn modelId="{70E14BE1-07D0-4958-BAE3-C2A34D2AF107}" type="presParOf" srcId="{8BAE6728-35BE-4B72-8751-FE9666A17461}" destId="{04A995DB-A781-412F-BCBF-BF2248B94A92}" srcOrd="0" destOrd="0" presId="urn:microsoft.com/office/officeart/2005/8/layout/radial5"/>
@@ -7628,14 +7838,35 @@
     <dgm:pt modelId="{A18BD2AC-1DAF-4C0D-878E-6FAF13AD5416}" type="pres">
       <dgm:prSet presAssocID="{64300844-45B9-47B7-BE5D-029288657376}" presName="centerShape" presStyleLbl="node0" presStyleIdx="0" presStyleCnt="1"/>
       <dgm:spPr/>
+      <dgm:t>
+        <a:bodyPr/>
+        <a:lstStyle/>
+        <a:p>
+          <a:endParaRPr lang="de-DE"/>
+        </a:p>
+      </dgm:t>
     </dgm:pt>
     <dgm:pt modelId="{DF6CD740-0B72-4EF5-87A9-9067A199471F}" type="pres">
       <dgm:prSet presAssocID="{74BF0AD8-8450-4BDC-B693-806C01CAE05C}" presName="parTrans" presStyleLbl="sibTrans2D1" presStyleIdx="0" presStyleCnt="5"/>
       <dgm:spPr/>
+      <dgm:t>
+        <a:bodyPr/>
+        <a:lstStyle/>
+        <a:p>
+          <a:endParaRPr lang="de-DE"/>
+        </a:p>
+      </dgm:t>
     </dgm:pt>
     <dgm:pt modelId="{4C5A628C-DAC4-42A4-94CB-319C507621E6}" type="pres">
       <dgm:prSet presAssocID="{74BF0AD8-8450-4BDC-B693-806C01CAE05C}" presName="connectorText" presStyleLbl="sibTrans2D1" presStyleIdx="0" presStyleCnt="5"/>
       <dgm:spPr/>
+      <dgm:t>
+        <a:bodyPr/>
+        <a:lstStyle/>
+        <a:p>
+          <a:endParaRPr lang="de-DE"/>
+        </a:p>
+      </dgm:t>
     </dgm:pt>
     <dgm:pt modelId="{456C5250-D558-4F2C-89A4-BE2586DD6F8B}" type="pres">
       <dgm:prSet presAssocID="{7716D2D7-AE11-4024-8BA5-BEC8373344D7}" presName="node" presStyleLbl="node1" presStyleIdx="0" presStyleCnt="5">
@@ -7655,10 +7886,24 @@
     <dgm:pt modelId="{B64A740A-0CF2-4AF6-967C-823BFD6C8C9B}" type="pres">
       <dgm:prSet presAssocID="{E50110B5-4652-473D-84B3-75BCE8596F7B}" presName="parTrans" presStyleLbl="sibTrans2D1" presStyleIdx="1" presStyleCnt="5"/>
       <dgm:spPr/>
+      <dgm:t>
+        <a:bodyPr/>
+        <a:lstStyle/>
+        <a:p>
+          <a:endParaRPr lang="de-DE"/>
+        </a:p>
+      </dgm:t>
     </dgm:pt>
     <dgm:pt modelId="{0491B216-38EC-4B0D-9A11-F64E45B9EEFD}" type="pres">
       <dgm:prSet presAssocID="{E50110B5-4652-473D-84B3-75BCE8596F7B}" presName="connectorText" presStyleLbl="sibTrans2D1" presStyleIdx="1" presStyleCnt="5"/>
       <dgm:spPr/>
+      <dgm:t>
+        <a:bodyPr/>
+        <a:lstStyle/>
+        <a:p>
+          <a:endParaRPr lang="de-DE"/>
+        </a:p>
+      </dgm:t>
     </dgm:pt>
     <dgm:pt modelId="{A352E85C-0B09-47E6-9092-CDB78B8C46E7}" type="pres">
       <dgm:prSet presAssocID="{70409739-4290-4ADE-91B8-5FB68AFE6F81}" presName="node" presStyleLbl="node1" presStyleIdx="1" presStyleCnt="5">
@@ -7678,10 +7923,24 @@
     <dgm:pt modelId="{3E6C5A5E-0CE7-4DD8-A7B7-858141A2AFFD}" type="pres">
       <dgm:prSet presAssocID="{2B4B9154-9539-4EC0-B8DA-D49E34B4B1D3}" presName="parTrans" presStyleLbl="sibTrans2D1" presStyleIdx="2" presStyleCnt="5"/>
       <dgm:spPr/>
+      <dgm:t>
+        <a:bodyPr/>
+        <a:lstStyle/>
+        <a:p>
+          <a:endParaRPr lang="de-DE"/>
+        </a:p>
+      </dgm:t>
     </dgm:pt>
     <dgm:pt modelId="{70632132-F04B-4AE9-B8B0-6DB588EAB060}" type="pres">
       <dgm:prSet presAssocID="{2B4B9154-9539-4EC0-B8DA-D49E34B4B1D3}" presName="connectorText" presStyleLbl="sibTrans2D1" presStyleIdx="2" presStyleCnt="5"/>
       <dgm:spPr/>
+      <dgm:t>
+        <a:bodyPr/>
+        <a:lstStyle/>
+        <a:p>
+          <a:endParaRPr lang="de-DE"/>
+        </a:p>
+      </dgm:t>
     </dgm:pt>
     <dgm:pt modelId="{64909A40-281C-4012-A290-11E105503859}" type="pres">
       <dgm:prSet presAssocID="{A922D5F4-4F67-43F5-8D5B-CE3A4FDA056E}" presName="node" presStyleLbl="node1" presStyleIdx="2" presStyleCnt="5">
@@ -7701,10 +7960,24 @@
     <dgm:pt modelId="{21E06869-D0ED-4F86-B83D-56936213F1DB}" type="pres">
       <dgm:prSet presAssocID="{A39D52ED-2C6F-4C6F-A72E-A038764FB536}" presName="parTrans" presStyleLbl="sibTrans2D1" presStyleIdx="3" presStyleCnt="5"/>
       <dgm:spPr/>
+      <dgm:t>
+        <a:bodyPr/>
+        <a:lstStyle/>
+        <a:p>
+          <a:endParaRPr lang="de-DE"/>
+        </a:p>
+      </dgm:t>
     </dgm:pt>
     <dgm:pt modelId="{A1EDBFD4-C0A4-4619-9098-027032D0038D}" type="pres">
       <dgm:prSet presAssocID="{A39D52ED-2C6F-4C6F-A72E-A038764FB536}" presName="connectorText" presStyleLbl="sibTrans2D1" presStyleIdx="3" presStyleCnt="5"/>
       <dgm:spPr/>
+      <dgm:t>
+        <a:bodyPr/>
+        <a:lstStyle/>
+        <a:p>
+          <a:endParaRPr lang="de-DE"/>
+        </a:p>
+      </dgm:t>
     </dgm:pt>
     <dgm:pt modelId="{E3B9CC4E-B289-45D2-8E8D-5A5CAE1614BE}" type="pres">
       <dgm:prSet presAssocID="{EDB42703-B83A-4794-9521-E964E1FACBC0}" presName="node" presStyleLbl="node1" presStyleIdx="3" presStyleCnt="5">
@@ -7724,10 +7997,24 @@
     <dgm:pt modelId="{C05010F8-9818-4F8B-9B04-617C92E895A4}" type="pres">
       <dgm:prSet presAssocID="{CC1D2F84-78D5-43C8-A13B-1D8019E6EDB6}" presName="parTrans" presStyleLbl="sibTrans2D1" presStyleIdx="4" presStyleCnt="5"/>
       <dgm:spPr/>
+      <dgm:t>
+        <a:bodyPr/>
+        <a:lstStyle/>
+        <a:p>
+          <a:endParaRPr lang="de-DE"/>
+        </a:p>
+      </dgm:t>
     </dgm:pt>
     <dgm:pt modelId="{732EBD56-AE03-4017-A3B7-B78030B1E1CF}" type="pres">
       <dgm:prSet presAssocID="{CC1D2F84-78D5-43C8-A13B-1D8019E6EDB6}" presName="connectorText" presStyleLbl="sibTrans2D1" presStyleIdx="4" presStyleCnt="5"/>
       <dgm:spPr/>
+      <dgm:t>
+        <a:bodyPr/>
+        <a:lstStyle/>
+        <a:p>
+          <a:endParaRPr lang="de-DE"/>
+        </a:p>
+      </dgm:t>
     </dgm:pt>
     <dgm:pt modelId="{9C675751-0D64-417B-8F0C-57B1CD04880F}" type="pres">
       <dgm:prSet presAssocID="{C3E4261E-2688-4872-B706-CE0713E77E84}" presName="node" presStyleLbl="node1" presStyleIdx="4" presStyleCnt="5">
@@ -7746,28 +8033,28 @@
     </dgm:pt>
   </dgm:ptLst>
   <dgm:cxnLst>
+    <dgm:cxn modelId="{8FE5B87C-8B25-4CCF-8715-0724AF046A39}" type="presOf" srcId="{C3E4261E-2688-4872-B706-CE0713E77E84}" destId="{9C675751-0D64-417B-8F0C-57B1CD04880F}" srcOrd="0" destOrd="0" presId="urn:microsoft.com/office/officeart/2005/8/layout/radial5"/>
+    <dgm:cxn modelId="{78911704-1041-40EE-85F2-F76A5DE5D675}" srcId="{64300844-45B9-47B7-BE5D-029288657376}" destId="{C3E4261E-2688-4872-B706-CE0713E77E84}" srcOrd="4" destOrd="0" parTransId="{CC1D2F84-78D5-43C8-A13B-1D8019E6EDB6}" sibTransId="{56206640-0DFE-4075-9ABA-EB4AD9D9DCF6}"/>
+    <dgm:cxn modelId="{5B05DD55-A542-4AB4-B4C8-22B070089256}" type="presOf" srcId="{74BF0AD8-8450-4BDC-B693-806C01CAE05C}" destId="{DF6CD740-0B72-4EF5-87A9-9067A199471F}" srcOrd="0" destOrd="0" presId="urn:microsoft.com/office/officeart/2005/8/layout/radial5"/>
+    <dgm:cxn modelId="{6240A83D-3AE4-4ADC-A252-259F3ACBAE0B}" srcId="{64300844-45B9-47B7-BE5D-029288657376}" destId="{A922D5F4-4F67-43F5-8D5B-CE3A4FDA056E}" srcOrd="2" destOrd="0" parTransId="{2B4B9154-9539-4EC0-B8DA-D49E34B4B1D3}" sibTransId="{39F00C68-462D-4124-BB69-918B4CE637CD}"/>
+    <dgm:cxn modelId="{FE9EFDC8-12C2-4147-83F8-3E06B1A79AB4}" type="presOf" srcId="{7A22B761-0B28-4A3D-8617-902603212F4F}" destId="{B48F9EDF-BEE9-45B1-A774-20C0F452687D}" srcOrd="0" destOrd="0" presId="urn:microsoft.com/office/officeart/2005/8/layout/radial5"/>
+    <dgm:cxn modelId="{05D7A178-2503-4DA7-A215-D3CECD87F98D}" srcId="{64300844-45B9-47B7-BE5D-029288657376}" destId="{7716D2D7-AE11-4024-8BA5-BEC8373344D7}" srcOrd="0" destOrd="0" parTransId="{74BF0AD8-8450-4BDC-B693-806C01CAE05C}" sibTransId="{114D12FA-6446-42B1-83FA-32B180B57429}"/>
+    <dgm:cxn modelId="{2BB33A3D-9D86-4752-B2AC-0B06063A40F1}" type="presOf" srcId="{2B4B9154-9539-4EC0-B8DA-D49E34B4B1D3}" destId="{70632132-F04B-4AE9-B8B0-6DB588EAB060}" srcOrd="1" destOrd="0" presId="urn:microsoft.com/office/officeart/2005/8/layout/radial5"/>
     <dgm:cxn modelId="{CC29FCBC-D521-4626-B7EF-F04DA1500E08}" type="presOf" srcId="{E50110B5-4652-473D-84B3-75BCE8596F7B}" destId="{0491B216-38EC-4B0D-9A11-F64E45B9EEFD}" srcOrd="1" destOrd="0" presId="urn:microsoft.com/office/officeart/2005/8/layout/radial5"/>
+    <dgm:cxn modelId="{8DA1AE50-EAAA-46AC-9A85-FE4DBAE2B4CB}" type="presOf" srcId="{70409739-4290-4ADE-91B8-5FB68AFE6F81}" destId="{A352E85C-0B09-47E6-9092-CDB78B8C46E7}" srcOrd="0" destOrd="0" presId="urn:microsoft.com/office/officeart/2005/8/layout/radial5"/>
+    <dgm:cxn modelId="{545CA73B-BA17-43D3-835C-F7537707B137}" type="presOf" srcId="{E50110B5-4652-473D-84B3-75BCE8596F7B}" destId="{B64A740A-0CF2-4AF6-967C-823BFD6C8C9B}" srcOrd="0" destOrd="0" presId="urn:microsoft.com/office/officeart/2005/8/layout/radial5"/>
+    <dgm:cxn modelId="{0A664587-AC6D-40B3-8E23-5EA065CD0B31}" type="presOf" srcId="{A39D52ED-2C6F-4C6F-A72E-A038764FB536}" destId="{A1EDBFD4-C0A4-4619-9098-027032D0038D}" srcOrd="1" destOrd="0" presId="urn:microsoft.com/office/officeart/2005/8/layout/radial5"/>
+    <dgm:cxn modelId="{2E197DC7-549C-494B-8909-3D11475400F4}" type="presOf" srcId="{A922D5F4-4F67-43F5-8D5B-CE3A4FDA056E}" destId="{64909A40-281C-4012-A290-11E105503859}" srcOrd="0" destOrd="0" presId="urn:microsoft.com/office/officeart/2005/8/layout/radial5"/>
+    <dgm:cxn modelId="{758EBED8-ACCA-4349-9C71-616F40FADC8F}" type="presOf" srcId="{A39D52ED-2C6F-4C6F-A72E-A038764FB536}" destId="{21E06869-D0ED-4F86-B83D-56936213F1DB}" srcOrd="0" destOrd="0" presId="urn:microsoft.com/office/officeart/2005/8/layout/radial5"/>
+    <dgm:cxn modelId="{CBD469C6-4863-40EA-81F7-977C34702202}" type="presOf" srcId="{7716D2D7-AE11-4024-8BA5-BEC8373344D7}" destId="{456C5250-D558-4F2C-89A4-BE2586DD6F8B}" srcOrd="0" destOrd="0" presId="urn:microsoft.com/office/officeart/2005/8/layout/radial5"/>
+    <dgm:cxn modelId="{BEC894E6-ECE8-44AC-9C61-20275630F8AB}" srcId="{64300844-45B9-47B7-BE5D-029288657376}" destId="{EDB42703-B83A-4794-9521-E964E1FACBC0}" srcOrd="3" destOrd="0" parTransId="{A39D52ED-2C6F-4C6F-A72E-A038764FB536}" sibTransId="{8EB9A08D-5815-4885-9E25-6365A39B973D}"/>
+    <dgm:cxn modelId="{B997EB59-3BE4-44EF-ABC8-D91A9464E0E7}" type="presOf" srcId="{64300844-45B9-47B7-BE5D-029288657376}" destId="{A18BD2AC-1DAF-4C0D-878E-6FAF13AD5416}" srcOrd="0" destOrd="0" presId="urn:microsoft.com/office/officeart/2005/8/layout/radial5"/>
     <dgm:cxn modelId="{1710640D-8C25-4A33-91C6-93B6F8A62FFD}" srcId="{64300844-45B9-47B7-BE5D-029288657376}" destId="{70409739-4290-4ADE-91B8-5FB68AFE6F81}" srcOrd="1" destOrd="0" parTransId="{E50110B5-4652-473D-84B3-75BCE8596F7B}" sibTransId="{E3C52D30-679C-4A1E-A0DF-8640569E31BC}"/>
+    <dgm:cxn modelId="{814903E0-A29A-48A0-8EBB-EF824C0A336D}" type="presOf" srcId="{CC1D2F84-78D5-43C8-A13B-1D8019E6EDB6}" destId="{732EBD56-AE03-4017-A3B7-B78030B1E1CF}" srcOrd="1" destOrd="0" presId="urn:microsoft.com/office/officeart/2005/8/layout/radial5"/>
     <dgm:cxn modelId="{DAE289A4-E2D3-4E14-8381-33964F7F8EE9}" type="presOf" srcId="{EDB42703-B83A-4794-9521-E964E1FACBC0}" destId="{E3B9CC4E-B289-45D2-8E8D-5A5CAE1614BE}" srcOrd="0" destOrd="0" presId="urn:microsoft.com/office/officeart/2005/8/layout/radial5"/>
-    <dgm:cxn modelId="{6240A83D-3AE4-4ADC-A252-259F3ACBAE0B}" srcId="{64300844-45B9-47B7-BE5D-029288657376}" destId="{A922D5F4-4F67-43F5-8D5B-CE3A4FDA056E}" srcOrd="2" destOrd="0" parTransId="{2B4B9154-9539-4EC0-B8DA-D49E34B4B1D3}" sibTransId="{39F00C68-462D-4124-BB69-918B4CE637CD}"/>
-    <dgm:cxn modelId="{78911704-1041-40EE-85F2-F76A5DE5D675}" srcId="{64300844-45B9-47B7-BE5D-029288657376}" destId="{C3E4261E-2688-4872-B706-CE0713E77E84}" srcOrd="4" destOrd="0" parTransId="{CC1D2F84-78D5-43C8-A13B-1D8019E6EDB6}" sibTransId="{56206640-0DFE-4075-9ABA-EB4AD9D9DCF6}"/>
-    <dgm:cxn modelId="{8DA1AE50-EAAA-46AC-9A85-FE4DBAE2B4CB}" type="presOf" srcId="{70409739-4290-4ADE-91B8-5FB68AFE6F81}" destId="{A352E85C-0B09-47E6-9092-CDB78B8C46E7}" srcOrd="0" destOrd="0" presId="urn:microsoft.com/office/officeart/2005/8/layout/radial5"/>
-    <dgm:cxn modelId="{2E197DC7-549C-494B-8909-3D11475400F4}" type="presOf" srcId="{A922D5F4-4F67-43F5-8D5B-CE3A4FDA056E}" destId="{64909A40-281C-4012-A290-11E105503859}" srcOrd="0" destOrd="0" presId="urn:microsoft.com/office/officeart/2005/8/layout/radial5"/>
     <dgm:cxn modelId="{3EA4B0E7-3925-45EA-9746-F9D13BB278ED}" srcId="{7A22B761-0B28-4A3D-8617-902603212F4F}" destId="{64300844-45B9-47B7-BE5D-029288657376}" srcOrd="0" destOrd="0" parTransId="{C36A0215-5D6D-4D8F-A1D5-060799301FE4}" sibTransId="{9563FCDE-A47E-4728-A7CD-DE0601287637}"/>
-    <dgm:cxn modelId="{B997EB59-3BE4-44EF-ABC8-D91A9464E0E7}" type="presOf" srcId="{64300844-45B9-47B7-BE5D-029288657376}" destId="{A18BD2AC-1DAF-4C0D-878E-6FAF13AD5416}" srcOrd="0" destOrd="0" presId="urn:microsoft.com/office/officeart/2005/8/layout/radial5"/>
+    <dgm:cxn modelId="{525C65E6-2487-445F-BB5C-99B7ECDD6EBC}" type="presOf" srcId="{74BF0AD8-8450-4BDC-B693-806C01CAE05C}" destId="{4C5A628C-DAC4-42A4-94CB-319C507621E6}" srcOrd="1" destOrd="0" presId="urn:microsoft.com/office/officeart/2005/8/layout/radial5"/>
     <dgm:cxn modelId="{7250C882-BFB0-4774-972F-0CA519DB6052}" type="presOf" srcId="{2B4B9154-9539-4EC0-B8DA-D49E34B4B1D3}" destId="{3E6C5A5E-0CE7-4DD8-A7B7-858141A2AFFD}" srcOrd="0" destOrd="0" presId="urn:microsoft.com/office/officeart/2005/8/layout/radial5"/>
-    <dgm:cxn modelId="{545CA73B-BA17-43D3-835C-F7537707B137}" type="presOf" srcId="{E50110B5-4652-473D-84B3-75BCE8596F7B}" destId="{B64A740A-0CF2-4AF6-967C-823BFD6C8C9B}" srcOrd="0" destOrd="0" presId="urn:microsoft.com/office/officeart/2005/8/layout/radial5"/>
-    <dgm:cxn modelId="{BEC894E6-ECE8-44AC-9C61-20275630F8AB}" srcId="{64300844-45B9-47B7-BE5D-029288657376}" destId="{EDB42703-B83A-4794-9521-E964E1FACBC0}" srcOrd="3" destOrd="0" parTransId="{A39D52ED-2C6F-4C6F-A72E-A038764FB536}" sibTransId="{8EB9A08D-5815-4885-9E25-6365A39B973D}"/>
-    <dgm:cxn modelId="{0A664587-AC6D-40B3-8E23-5EA065CD0B31}" type="presOf" srcId="{A39D52ED-2C6F-4C6F-A72E-A038764FB536}" destId="{A1EDBFD4-C0A4-4619-9098-027032D0038D}" srcOrd="1" destOrd="0" presId="urn:microsoft.com/office/officeart/2005/8/layout/radial5"/>
-    <dgm:cxn modelId="{525C65E6-2487-445F-BB5C-99B7ECDD6EBC}" type="presOf" srcId="{74BF0AD8-8450-4BDC-B693-806C01CAE05C}" destId="{4C5A628C-DAC4-42A4-94CB-319C507621E6}" srcOrd="1" destOrd="0" presId="urn:microsoft.com/office/officeart/2005/8/layout/radial5"/>
-    <dgm:cxn modelId="{05D7A178-2503-4DA7-A215-D3CECD87F98D}" srcId="{64300844-45B9-47B7-BE5D-029288657376}" destId="{7716D2D7-AE11-4024-8BA5-BEC8373344D7}" srcOrd="0" destOrd="0" parTransId="{74BF0AD8-8450-4BDC-B693-806C01CAE05C}" sibTransId="{114D12FA-6446-42B1-83FA-32B180B57429}"/>
-    <dgm:cxn modelId="{CBD469C6-4863-40EA-81F7-977C34702202}" type="presOf" srcId="{7716D2D7-AE11-4024-8BA5-BEC8373344D7}" destId="{456C5250-D558-4F2C-89A4-BE2586DD6F8B}" srcOrd="0" destOrd="0" presId="urn:microsoft.com/office/officeart/2005/8/layout/radial5"/>
-    <dgm:cxn modelId="{814903E0-A29A-48A0-8EBB-EF824C0A336D}" type="presOf" srcId="{CC1D2F84-78D5-43C8-A13B-1D8019E6EDB6}" destId="{732EBD56-AE03-4017-A3B7-B78030B1E1CF}" srcOrd="1" destOrd="0" presId="urn:microsoft.com/office/officeart/2005/8/layout/radial5"/>
-    <dgm:cxn modelId="{FE9EFDC8-12C2-4147-83F8-3E06B1A79AB4}" type="presOf" srcId="{7A22B761-0B28-4A3D-8617-902603212F4F}" destId="{B48F9EDF-BEE9-45B1-A774-20C0F452687D}" srcOrd="0" destOrd="0" presId="urn:microsoft.com/office/officeart/2005/8/layout/radial5"/>
-    <dgm:cxn modelId="{5B05DD55-A542-4AB4-B4C8-22B070089256}" type="presOf" srcId="{74BF0AD8-8450-4BDC-B693-806C01CAE05C}" destId="{DF6CD740-0B72-4EF5-87A9-9067A199471F}" srcOrd="0" destOrd="0" presId="urn:microsoft.com/office/officeart/2005/8/layout/radial5"/>
-    <dgm:cxn modelId="{2BB33A3D-9D86-4752-B2AC-0B06063A40F1}" type="presOf" srcId="{2B4B9154-9539-4EC0-B8DA-D49E34B4B1D3}" destId="{70632132-F04B-4AE9-B8B0-6DB588EAB060}" srcOrd="1" destOrd="0" presId="urn:microsoft.com/office/officeart/2005/8/layout/radial5"/>
-    <dgm:cxn modelId="{758EBED8-ACCA-4349-9C71-616F40FADC8F}" type="presOf" srcId="{A39D52ED-2C6F-4C6F-A72E-A038764FB536}" destId="{21E06869-D0ED-4F86-B83D-56936213F1DB}" srcOrd="0" destOrd="0" presId="urn:microsoft.com/office/officeart/2005/8/layout/radial5"/>
-    <dgm:cxn modelId="{8FE5B87C-8B25-4CCF-8715-0724AF046A39}" type="presOf" srcId="{C3E4261E-2688-4872-B706-CE0713E77E84}" destId="{9C675751-0D64-417B-8F0C-57B1CD04880F}" srcOrd="0" destOrd="0" presId="urn:microsoft.com/office/officeart/2005/8/layout/radial5"/>
     <dgm:cxn modelId="{61EA9E70-7FA0-4BCD-82FE-3B9ED985A569}" type="presOf" srcId="{CC1D2F84-78D5-43C8-A13B-1D8019E6EDB6}" destId="{C05010F8-9818-4F8B-9B04-617C92E895A4}" srcOrd="0" destOrd="0" presId="urn:microsoft.com/office/officeart/2005/8/layout/radial5"/>
     <dgm:cxn modelId="{622F8B6D-1B8A-4546-921C-6C625248256A}" type="presParOf" srcId="{B48F9EDF-BEE9-45B1-A774-20C0F452687D}" destId="{A18BD2AC-1DAF-4C0D-878E-6FAF13AD5416}" srcOrd="0" destOrd="0" presId="urn:microsoft.com/office/officeart/2005/8/layout/radial5"/>
     <dgm:cxn modelId="{D9C8B9A3-34B8-46B3-8257-1693160DC770}" type="presParOf" srcId="{B48F9EDF-BEE9-45B1-A774-20C0F452687D}" destId="{DF6CD740-0B72-4EF5-87A9-9067A199471F}" srcOrd="1" destOrd="0" presId="urn:microsoft.com/office/officeart/2005/8/layout/radial5"/>
@@ -8074,10 +8361,24 @@
     <dgm:pt modelId="{DF6CD740-0B72-4EF5-87A9-9067A199471F}" type="pres">
       <dgm:prSet presAssocID="{74BF0AD8-8450-4BDC-B693-806C01CAE05C}" presName="parTrans" presStyleLbl="sibTrans2D1" presStyleIdx="0" presStyleCnt="5"/>
       <dgm:spPr/>
+      <dgm:t>
+        <a:bodyPr/>
+        <a:lstStyle/>
+        <a:p>
+          <a:endParaRPr lang="de-DE"/>
+        </a:p>
+      </dgm:t>
     </dgm:pt>
     <dgm:pt modelId="{4C5A628C-DAC4-42A4-94CB-319C507621E6}" type="pres">
       <dgm:prSet presAssocID="{74BF0AD8-8450-4BDC-B693-806C01CAE05C}" presName="connectorText" presStyleLbl="sibTrans2D1" presStyleIdx="0" presStyleCnt="5"/>
       <dgm:spPr/>
+      <dgm:t>
+        <a:bodyPr/>
+        <a:lstStyle/>
+        <a:p>
+          <a:endParaRPr lang="de-DE"/>
+        </a:p>
+      </dgm:t>
     </dgm:pt>
     <dgm:pt modelId="{456C5250-D558-4F2C-89A4-BE2586DD6F8B}" type="pres">
       <dgm:prSet presAssocID="{7716D2D7-AE11-4024-8BA5-BEC8373344D7}" presName="node" presStyleLbl="node1" presStyleIdx="0" presStyleCnt="5">
@@ -8097,10 +8398,24 @@
     <dgm:pt modelId="{B64A740A-0CF2-4AF6-967C-823BFD6C8C9B}" type="pres">
       <dgm:prSet presAssocID="{E50110B5-4652-473D-84B3-75BCE8596F7B}" presName="parTrans" presStyleLbl="sibTrans2D1" presStyleIdx="1" presStyleCnt="5"/>
       <dgm:spPr/>
+      <dgm:t>
+        <a:bodyPr/>
+        <a:lstStyle/>
+        <a:p>
+          <a:endParaRPr lang="de-DE"/>
+        </a:p>
+      </dgm:t>
     </dgm:pt>
     <dgm:pt modelId="{0491B216-38EC-4B0D-9A11-F64E45B9EEFD}" type="pres">
       <dgm:prSet presAssocID="{E50110B5-4652-473D-84B3-75BCE8596F7B}" presName="connectorText" presStyleLbl="sibTrans2D1" presStyleIdx="1" presStyleCnt="5"/>
       <dgm:spPr/>
+      <dgm:t>
+        <a:bodyPr/>
+        <a:lstStyle/>
+        <a:p>
+          <a:endParaRPr lang="de-DE"/>
+        </a:p>
+      </dgm:t>
     </dgm:pt>
     <dgm:pt modelId="{A352E85C-0B09-47E6-9092-CDB78B8C46E7}" type="pres">
       <dgm:prSet presAssocID="{70409739-4290-4ADE-91B8-5FB68AFE6F81}" presName="node" presStyleLbl="node1" presStyleIdx="1" presStyleCnt="5">
@@ -8120,10 +8435,24 @@
     <dgm:pt modelId="{3E6C5A5E-0CE7-4DD8-A7B7-858141A2AFFD}" type="pres">
       <dgm:prSet presAssocID="{2B4B9154-9539-4EC0-B8DA-D49E34B4B1D3}" presName="parTrans" presStyleLbl="sibTrans2D1" presStyleIdx="2" presStyleCnt="5"/>
       <dgm:spPr/>
+      <dgm:t>
+        <a:bodyPr/>
+        <a:lstStyle/>
+        <a:p>
+          <a:endParaRPr lang="de-DE"/>
+        </a:p>
+      </dgm:t>
     </dgm:pt>
     <dgm:pt modelId="{70632132-F04B-4AE9-B8B0-6DB588EAB060}" type="pres">
       <dgm:prSet presAssocID="{2B4B9154-9539-4EC0-B8DA-D49E34B4B1D3}" presName="connectorText" presStyleLbl="sibTrans2D1" presStyleIdx="2" presStyleCnt="5"/>
       <dgm:spPr/>
+      <dgm:t>
+        <a:bodyPr/>
+        <a:lstStyle/>
+        <a:p>
+          <a:endParaRPr lang="de-DE"/>
+        </a:p>
+      </dgm:t>
     </dgm:pt>
     <dgm:pt modelId="{64909A40-281C-4012-A290-11E105503859}" type="pres">
       <dgm:prSet presAssocID="{A922D5F4-4F67-43F5-8D5B-CE3A4FDA056E}" presName="node" presStyleLbl="node1" presStyleIdx="2" presStyleCnt="5">
@@ -8143,10 +8472,24 @@
     <dgm:pt modelId="{21E06869-D0ED-4F86-B83D-56936213F1DB}" type="pres">
       <dgm:prSet presAssocID="{A39D52ED-2C6F-4C6F-A72E-A038764FB536}" presName="parTrans" presStyleLbl="sibTrans2D1" presStyleIdx="3" presStyleCnt="5"/>
       <dgm:spPr/>
+      <dgm:t>
+        <a:bodyPr/>
+        <a:lstStyle/>
+        <a:p>
+          <a:endParaRPr lang="de-DE"/>
+        </a:p>
+      </dgm:t>
     </dgm:pt>
     <dgm:pt modelId="{A1EDBFD4-C0A4-4619-9098-027032D0038D}" type="pres">
       <dgm:prSet presAssocID="{A39D52ED-2C6F-4C6F-A72E-A038764FB536}" presName="connectorText" presStyleLbl="sibTrans2D1" presStyleIdx="3" presStyleCnt="5"/>
       <dgm:spPr/>
+      <dgm:t>
+        <a:bodyPr/>
+        <a:lstStyle/>
+        <a:p>
+          <a:endParaRPr lang="de-DE"/>
+        </a:p>
+      </dgm:t>
     </dgm:pt>
     <dgm:pt modelId="{E3B9CC4E-B289-45D2-8E8D-5A5CAE1614BE}" type="pres">
       <dgm:prSet presAssocID="{EDB42703-B83A-4794-9521-E964E1FACBC0}" presName="node" presStyleLbl="node1" presStyleIdx="3" presStyleCnt="5">
@@ -8166,10 +8509,24 @@
     <dgm:pt modelId="{C05010F8-9818-4F8B-9B04-617C92E895A4}" type="pres">
       <dgm:prSet presAssocID="{CC1D2F84-78D5-43C8-A13B-1D8019E6EDB6}" presName="parTrans" presStyleLbl="sibTrans2D1" presStyleIdx="4" presStyleCnt="5"/>
       <dgm:spPr/>
+      <dgm:t>
+        <a:bodyPr/>
+        <a:lstStyle/>
+        <a:p>
+          <a:endParaRPr lang="de-DE"/>
+        </a:p>
+      </dgm:t>
     </dgm:pt>
     <dgm:pt modelId="{732EBD56-AE03-4017-A3B7-B78030B1E1CF}" type="pres">
       <dgm:prSet presAssocID="{CC1D2F84-78D5-43C8-A13B-1D8019E6EDB6}" presName="connectorText" presStyleLbl="sibTrans2D1" presStyleIdx="4" presStyleCnt="5"/>
       <dgm:spPr/>
+      <dgm:t>
+        <a:bodyPr/>
+        <a:lstStyle/>
+        <a:p>
+          <a:endParaRPr lang="de-DE"/>
+        </a:p>
+      </dgm:t>
     </dgm:pt>
     <dgm:pt modelId="{9C675751-0D64-417B-8F0C-57B1CD04880F}" type="pres">
       <dgm:prSet presAssocID="{C3E4261E-2688-4872-B706-CE0713E77E84}" presName="node" presStyleLbl="node1" presStyleIdx="4" presStyleCnt="5">
@@ -8188,29 +8545,29 @@
     </dgm:pt>
   </dgm:ptLst>
   <dgm:cxnLst>
-    <dgm:cxn modelId="{B997EB59-3BE4-44EF-ABC8-D91A9464E0E7}" type="presOf" srcId="{64300844-45B9-47B7-BE5D-029288657376}" destId="{A18BD2AC-1DAF-4C0D-878E-6FAF13AD5416}" srcOrd="0" destOrd="0" presId="urn:microsoft.com/office/officeart/2005/8/layout/radial5"/>
-    <dgm:cxn modelId="{2E197DC7-549C-494B-8909-3D11475400F4}" type="presOf" srcId="{A922D5F4-4F67-43F5-8D5B-CE3A4FDA056E}" destId="{64909A40-281C-4012-A290-11E105503859}" srcOrd="0" destOrd="0" presId="urn:microsoft.com/office/officeart/2005/8/layout/radial5"/>
+    <dgm:cxn modelId="{8FE5B87C-8B25-4CCF-8715-0724AF046A39}" type="presOf" srcId="{C3E4261E-2688-4872-B706-CE0713E77E84}" destId="{9C675751-0D64-417B-8F0C-57B1CD04880F}" srcOrd="0" destOrd="0" presId="urn:microsoft.com/office/officeart/2005/8/layout/radial5"/>
     <dgm:cxn modelId="{78911704-1041-40EE-85F2-F76A5DE5D675}" srcId="{64300844-45B9-47B7-BE5D-029288657376}" destId="{C3E4261E-2688-4872-B706-CE0713E77E84}" srcOrd="4" destOrd="0" parTransId="{CC1D2F84-78D5-43C8-A13B-1D8019E6EDB6}" sibTransId="{56206640-0DFE-4075-9ABA-EB4AD9D9DCF6}"/>
-    <dgm:cxn modelId="{0A664587-AC6D-40B3-8E23-5EA065CD0B31}" type="presOf" srcId="{A39D52ED-2C6F-4C6F-A72E-A038764FB536}" destId="{A1EDBFD4-C0A4-4619-9098-027032D0038D}" srcOrd="1" destOrd="0" presId="urn:microsoft.com/office/officeart/2005/8/layout/radial5"/>
-    <dgm:cxn modelId="{CBD469C6-4863-40EA-81F7-977C34702202}" type="presOf" srcId="{7716D2D7-AE11-4024-8BA5-BEC8373344D7}" destId="{456C5250-D558-4F2C-89A4-BE2586DD6F8B}" srcOrd="0" destOrd="0" presId="urn:microsoft.com/office/officeart/2005/8/layout/radial5"/>
-    <dgm:cxn modelId="{1710640D-8C25-4A33-91C6-93B6F8A62FFD}" srcId="{64300844-45B9-47B7-BE5D-029288657376}" destId="{70409739-4290-4ADE-91B8-5FB68AFE6F81}" srcOrd="1" destOrd="0" parTransId="{E50110B5-4652-473D-84B3-75BCE8596F7B}" sibTransId="{E3C52D30-679C-4A1E-A0DF-8640569E31BC}"/>
+    <dgm:cxn modelId="{5B05DD55-A542-4AB4-B4C8-22B070089256}" type="presOf" srcId="{74BF0AD8-8450-4BDC-B693-806C01CAE05C}" destId="{DF6CD740-0B72-4EF5-87A9-9067A199471F}" srcOrd="0" destOrd="0" presId="urn:microsoft.com/office/officeart/2005/8/layout/radial5"/>
     <dgm:cxn modelId="{FE9EFDC8-12C2-4147-83F8-3E06B1A79AB4}" type="presOf" srcId="{7A22B761-0B28-4A3D-8617-902603212F4F}" destId="{B48F9EDF-BEE9-45B1-A774-20C0F452687D}" srcOrd="0" destOrd="0" presId="urn:microsoft.com/office/officeart/2005/8/layout/radial5"/>
-    <dgm:cxn modelId="{525C65E6-2487-445F-BB5C-99B7ECDD6EBC}" type="presOf" srcId="{74BF0AD8-8450-4BDC-B693-806C01CAE05C}" destId="{4C5A628C-DAC4-42A4-94CB-319C507621E6}" srcOrd="1" destOrd="0" presId="urn:microsoft.com/office/officeart/2005/8/layout/radial5"/>
     <dgm:cxn modelId="{6240A83D-3AE4-4ADC-A252-259F3ACBAE0B}" srcId="{64300844-45B9-47B7-BE5D-029288657376}" destId="{A922D5F4-4F67-43F5-8D5B-CE3A4FDA056E}" srcOrd="2" destOrd="0" parTransId="{2B4B9154-9539-4EC0-B8DA-D49E34B4B1D3}" sibTransId="{39F00C68-462D-4124-BB69-918B4CE637CD}"/>
     <dgm:cxn modelId="{05D7A178-2503-4DA7-A215-D3CECD87F98D}" srcId="{64300844-45B9-47B7-BE5D-029288657376}" destId="{7716D2D7-AE11-4024-8BA5-BEC8373344D7}" srcOrd="0" destOrd="0" parTransId="{74BF0AD8-8450-4BDC-B693-806C01CAE05C}" sibTransId="{114D12FA-6446-42B1-83FA-32B180B57429}"/>
+    <dgm:cxn modelId="{2BB33A3D-9D86-4752-B2AC-0B06063A40F1}" type="presOf" srcId="{2B4B9154-9539-4EC0-B8DA-D49E34B4B1D3}" destId="{70632132-F04B-4AE9-B8B0-6DB588EAB060}" srcOrd="1" destOrd="0" presId="urn:microsoft.com/office/officeart/2005/8/layout/radial5"/>
+    <dgm:cxn modelId="{8DA1AE50-EAAA-46AC-9A85-FE4DBAE2B4CB}" type="presOf" srcId="{70409739-4290-4ADE-91B8-5FB68AFE6F81}" destId="{A352E85C-0B09-47E6-9092-CDB78B8C46E7}" srcOrd="0" destOrd="0" presId="urn:microsoft.com/office/officeart/2005/8/layout/radial5"/>
+    <dgm:cxn modelId="{CC29FCBC-D521-4626-B7EF-F04DA1500E08}" type="presOf" srcId="{E50110B5-4652-473D-84B3-75BCE8596F7B}" destId="{0491B216-38EC-4B0D-9A11-F64E45B9EEFD}" srcOrd="1" destOrd="0" presId="urn:microsoft.com/office/officeart/2005/8/layout/radial5"/>
+    <dgm:cxn modelId="{545CA73B-BA17-43D3-835C-F7537707B137}" type="presOf" srcId="{E50110B5-4652-473D-84B3-75BCE8596F7B}" destId="{B64A740A-0CF2-4AF6-967C-823BFD6C8C9B}" srcOrd="0" destOrd="0" presId="urn:microsoft.com/office/officeart/2005/8/layout/radial5"/>
+    <dgm:cxn modelId="{0A664587-AC6D-40B3-8E23-5EA065CD0B31}" type="presOf" srcId="{A39D52ED-2C6F-4C6F-A72E-A038764FB536}" destId="{A1EDBFD4-C0A4-4619-9098-027032D0038D}" srcOrd="1" destOrd="0" presId="urn:microsoft.com/office/officeart/2005/8/layout/radial5"/>
+    <dgm:cxn modelId="{2E197DC7-549C-494B-8909-3D11475400F4}" type="presOf" srcId="{A922D5F4-4F67-43F5-8D5B-CE3A4FDA056E}" destId="{64909A40-281C-4012-A290-11E105503859}" srcOrd="0" destOrd="0" presId="urn:microsoft.com/office/officeart/2005/8/layout/radial5"/>
+    <dgm:cxn modelId="{758EBED8-ACCA-4349-9C71-616F40FADC8F}" type="presOf" srcId="{A39D52ED-2C6F-4C6F-A72E-A038764FB536}" destId="{21E06869-D0ED-4F86-B83D-56936213F1DB}" srcOrd="0" destOrd="0" presId="urn:microsoft.com/office/officeart/2005/8/layout/radial5"/>
+    <dgm:cxn modelId="{CBD469C6-4863-40EA-81F7-977C34702202}" type="presOf" srcId="{7716D2D7-AE11-4024-8BA5-BEC8373344D7}" destId="{456C5250-D558-4F2C-89A4-BE2586DD6F8B}" srcOrd="0" destOrd="0" presId="urn:microsoft.com/office/officeart/2005/8/layout/radial5"/>
+    <dgm:cxn modelId="{BEC894E6-ECE8-44AC-9C61-20275630F8AB}" srcId="{64300844-45B9-47B7-BE5D-029288657376}" destId="{EDB42703-B83A-4794-9521-E964E1FACBC0}" srcOrd="3" destOrd="0" parTransId="{A39D52ED-2C6F-4C6F-A72E-A038764FB536}" sibTransId="{8EB9A08D-5815-4885-9E25-6365A39B973D}"/>
+    <dgm:cxn modelId="{B997EB59-3BE4-44EF-ABC8-D91A9464E0E7}" type="presOf" srcId="{64300844-45B9-47B7-BE5D-029288657376}" destId="{A18BD2AC-1DAF-4C0D-878E-6FAF13AD5416}" srcOrd="0" destOrd="0" presId="urn:microsoft.com/office/officeart/2005/8/layout/radial5"/>
+    <dgm:cxn modelId="{814903E0-A29A-48A0-8EBB-EF824C0A336D}" type="presOf" srcId="{CC1D2F84-78D5-43C8-A13B-1D8019E6EDB6}" destId="{732EBD56-AE03-4017-A3B7-B78030B1E1CF}" srcOrd="1" destOrd="0" presId="urn:microsoft.com/office/officeart/2005/8/layout/radial5"/>
+    <dgm:cxn modelId="{1710640D-8C25-4A33-91C6-93B6F8A62FFD}" srcId="{64300844-45B9-47B7-BE5D-029288657376}" destId="{70409739-4290-4ADE-91B8-5FB68AFE6F81}" srcOrd="1" destOrd="0" parTransId="{E50110B5-4652-473D-84B3-75BCE8596F7B}" sibTransId="{E3C52D30-679C-4A1E-A0DF-8640569E31BC}"/>
+    <dgm:cxn modelId="{3EA4B0E7-3925-45EA-9746-F9D13BB278ED}" srcId="{7A22B761-0B28-4A3D-8617-902603212F4F}" destId="{64300844-45B9-47B7-BE5D-029288657376}" srcOrd="0" destOrd="0" parTransId="{C36A0215-5D6D-4D8F-A1D5-060799301FE4}" sibTransId="{9563FCDE-A47E-4728-A7CD-DE0601287637}"/>
+    <dgm:cxn modelId="{DAE289A4-E2D3-4E14-8381-33964F7F8EE9}" type="presOf" srcId="{EDB42703-B83A-4794-9521-E964E1FACBC0}" destId="{E3B9CC4E-B289-45D2-8E8D-5A5CAE1614BE}" srcOrd="0" destOrd="0" presId="urn:microsoft.com/office/officeart/2005/8/layout/radial5"/>
+    <dgm:cxn modelId="{525C65E6-2487-445F-BB5C-99B7ECDD6EBC}" type="presOf" srcId="{74BF0AD8-8450-4BDC-B693-806C01CAE05C}" destId="{4C5A628C-DAC4-42A4-94CB-319C507621E6}" srcOrd="1" destOrd="0" presId="urn:microsoft.com/office/officeart/2005/8/layout/radial5"/>
+    <dgm:cxn modelId="{7250C882-BFB0-4774-972F-0CA519DB6052}" type="presOf" srcId="{2B4B9154-9539-4EC0-B8DA-D49E34B4B1D3}" destId="{3E6C5A5E-0CE7-4DD8-A7B7-858141A2AFFD}" srcOrd="0" destOrd="0" presId="urn:microsoft.com/office/officeart/2005/8/layout/radial5"/>
     <dgm:cxn modelId="{61EA9E70-7FA0-4BCD-82FE-3B9ED985A569}" type="presOf" srcId="{CC1D2F84-78D5-43C8-A13B-1D8019E6EDB6}" destId="{C05010F8-9818-4F8B-9B04-617C92E895A4}" srcOrd="0" destOrd="0" presId="urn:microsoft.com/office/officeart/2005/8/layout/radial5"/>
-    <dgm:cxn modelId="{3EA4B0E7-3925-45EA-9746-F9D13BB278ED}" srcId="{7A22B761-0B28-4A3D-8617-902603212F4F}" destId="{64300844-45B9-47B7-BE5D-029288657376}" srcOrd="0" destOrd="0" parTransId="{C36A0215-5D6D-4D8F-A1D5-060799301FE4}" sibTransId="{9563FCDE-A47E-4728-A7CD-DE0601287637}"/>
-    <dgm:cxn modelId="{814903E0-A29A-48A0-8EBB-EF824C0A336D}" type="presOf" srcId="{CC1D2F84-78D5-43C8-A13B-1D8019E6EDB6}" destId="{732EBD56-AE03-4017-A3B7-B78030B1E1CF}" srcOrd="1" destOrd="0" presId="urn:microsoft.com/office/officeart/2005/8/layout/radial5"/>
-    <dgm:cxn modelId="{7250C882-BFB0-4774-972F-0CA519DB6052}" type="presOf" srcId="{2B4B9154-9539-4EC0-B8DA-D49E34B4B1D3}" destId="{3E6C5A5E-0CE7-4DD8-A7B7-858141A2AFFD}" srcOrd="0" destOrd="0" presId="urn:microsoft.com/office/officeart/2005/8/layout/radial5"/>
-    <dgm:cxn modelId="{545CA73B-BA17-43D3-835C-F7537707B137}" type="presOf" srcId="{E50110B5-4652-473D-84B3-75BCE8596F7B}" destId="{B64A740A-0CF2-4AF6-967C-823BFD6C8C9B}" srcOrd="0" destOrd="0" presId="urn:microsoft.com/office/officeart/2005/8/layout/radial5"/>
-    <dgm:cxn modelId="{8DA1AE50-EAAA-46AC-9A85-FE4DBAE2B4CB}" type="presOf" srcId="{70409739-4290-4ADE-91B8-5FB68AFE6F81}" destId="{A352E85C-0B09-47E6-9092-CDB78B8C46E7}" srcOrd="0" destOrd="0" presId="urn:microsoft.com/office/officeart/2005/8/layout/radial5"/>
-    <dgm:cxn modelId="{BEC894E6-ECE8-44AC-9C61-20275630F8AB}" srcId="{64300844-45B9-47B7-BE5D-029288657376}" destId="{EDB42703-B83A-4794-9521-E964E1FACBC0}" srcOrd="3" destOrd="0" parTransId="{A39D52ED-2C6F-4C6F-A72E-A038764FB536}" sibTransId="{8EB9A08D-5815-4885-9E25-6365A39B973D}"/>
-    <dgm:cxn modelId="{5B05DD55-A542-4AB4-B4C8-22B070089256}" type="presOf" srcId="{74BF0AD8-8450-4BDC-B693-806C01CAE05C}" destId="{DF6CD740-0B72-4EF5-87A9-9067A199471F}" srcOrd="0" destOrd="0" presId="urn:microsoft.com/office/officeart/2005/8/layout/radial5"/>
-    <dgm:cxn modelId="{CC29FCBC-D521-4626-B7EF-F04DA1500E08}" type="presOf" srcId="{E50110B5-4652-473D-84B3-75BCE8596F7B}" destId="{0491B216-38EC-4B0D-9A11-F64E45B9EEFD}" srcOrd="1" destOrd="0" presId="urn:microsoft.com/office/officeart/2005/8/layout/radial5"/>
-    <dgm:cxn modelId="{2BB33A3D-9D86-4752-B2AC-0B06063A40F1}" type="presOf" srcId="{2B4B9154-9539-4EC0-B8DA-D49E34B4B1D3}" destId="{70632132-F04B-4AE9-B8B0-6DB588EAB060}" srcOrd="1" destOrd="0" presId="urn:microsoft.com/office/officeart/2005/8/layout/radial5"/>
-    <dgm:cxn modelId="{8FE5B87C-8B25-4CCF-8715-0724AF046A39}" type="presOf" srcId="{C3E4261E-2688-4872-B706-CE0713E77E84}" destId="{9C675751-0D64-417B-8F0C-57B1CD04880F}" srcOrd="0" destOrd="0" presId="urn:microsoft.com/office/officeart/2005/8/layout/radial5"/>
-    <dgm:cxn modelId="{758EBED8-ACCA-4349-9C71-616F40FADC8F}" type="presOf" srcId="{A39D52ED-2C6F-4C6F-A72E-A038764FB536}" destId="{21E06869-D0ED-4F86-B83D-56936213F1DB}" srcOrd="0" destOrd="0" presId="urn:microsoft.com/office/officeart/2005/8/layout/radial5"/>
-    <dgm:cxn modelId="{DAE289A4-E2D3-4E14-8381-33964F7F8EE9}" type="presOf" srcId="{EDB42703-B83A-4794-9521-E964E1FACBC0}" destId="{E3B9CC4E-B289-45D2-8E8D-5A5CAE1614BE}" srcOrd="0" destOrd="0" presId="urn:microsoft.com/office/officeart/2005/8/layout/radial5"/>
     <dgm:cxn modelId="{622F8B6D-1B8A-4546-921C-6C625248256A}" type="presParOf" srcId="{B48F9EDF-BEE9-45B1-A774-20C0F452687D}" destId="{A18BD2AC-1DAF-4C0D-878E-6FAF13AD5416}" srcOrd="0" destOrd="0" presId="urn:microsoft.com/office/officeart/2005/8/layout/radial5"/>
     <dgm:cxn modelId="{D9C8B9A3-34B8-46B3-8257-1693160DC770}" type="presParOf" srcId="{B48F9EDF-BEE9-45B1-A774-20C0F452687D}" destId="{DF6CD740-0B72-4EF5-87A9-9067A199471F}" srcOrd="1" destOrd="0" presId="urn:microsoft.com/office/officeart/2005/8/layout/radial5"/>
     <dgm:cxn modelId="{405C60F4-D773-452D-94AA-6CAC48A9790D}" type="presParOf" srcId="{DF6CD740-0B72-4EF5-87A9-9067A199471F}" destId="{4C5A628C-DAC4-42A4-94CB-319C507621E6}" srcOrd="0" destOrd="0" presId="urn:microsoft.com/office/officeart/2005/8/layout/radial5"/>
@@ -8548,10 +8905,24 @@
     <dgm:pt modelId="{DF6CD740-0B72-4EF5-87A9-9067A199471F}" type="pres">
       <dgm:prSet presAssocID="{74BF0AD8-8450-4BDC-B693-806C01CAE05C}" presName="parTrans" presStyleLbl="sibTrans2D1" presStyleIdx="0" presStyleCnt="7"/>
       <dgm:spPr/>
+      <dgm:t>
+        <a:bodyPr/>
+        <a:lstStyle/>
+        <a:p>
+          <a:endParaRPr lang="de-DE"/>
+        </a:p>
+      </dgm:t>
     </dgm:pt>
     <dgm:pt modelId="{4C5A628C-DAC4-42A4-94CB-319C507621E6}" type="pres">
       <dgm:prSet presAssocID="{74BF0AD8-8450-4BDC-B693-806C01CAE05C}" presName="connectorText" presStyleLbl="sibTrans2D1" presStyleIdx="0" presStyleCnt="7"/>
       <dgm:spPr/>
+      <dgm:t>
+        <a:bodyPr/>
+        <a:lstStyle/>
+        <a:p>
+          <a:endParaRPr lang="de-DE"/>
+        </a:p>
+      </dgm:t>
     </dgm:pt>
     <dgm:pt modelId="{456C5250-D558-4F2C-89A4-BE2586DD6F8B}" type="pres">
       <dgm:prSet presAssocID="{7716D2D7-AE11-4024-8BA5-BEC8373344D7}" presName="node" presStyleLbl="node1" presStyleIdx="0" presStyleCnt="7">
@@ -8571,10 +8942,24 @@
     <dgm:pt modelId="{B64A740A-0CF2-4AF6-967C-823BFD6C8C9B}" type="pres">
       <dgm:prSet presAssocID="{E50110B5-4652-473D-84B3-75BCE8596F7B}" presName="parTrans" presStyleLbl="sibTrans2D1" presStyleIdx="1" presStyleCnt="7"/>
       <dgm:spPr/>
+      <dgm:t>
+        <a:bodyPr/>
+        <a:lstStyle/>
+        <a:p>
+          <a:endParaRPr lang="de-DE"/>
+        </a:p>
+      </dgm:t>
     </dgm:pt>
     <dgm:pt modelId="{0491B216-38EC-4B0D-9A11-F64E45B9EEFD}" type="pres">
       <dgm:prSet presAssocID="{E50110B5-4652-473D-84B3-75BCE8596F7B}" presName="connectorText" presStyleLbl="sibTrans2D1" presStyleIdx="1" presStyleCnt="7"/>
       <dgm:spPr/>
+      <dgm:t>
+        <a:bodyPr/>
+        <a:lstStyle/>
+        <a:p>
+          <a:endParaRPr lang="de-DE"/>
+        </a:p>
+      </dgm:t>
     </dgm:pt>
     <dgm:pt modelId="{A352E85C-0B09-47E6-9092-CDB78B8C46E7}" type="pres">
       <dgm:prSet presAssocID="{70409739-4290-4ADE-91B8-5FB68AFE6F81}" presName="node" presStyleLbl="node1" presStyleIdx="1" presStyleCnt="7">
@@ -8594,10 +8979,24 @@
     <dgm:pt modelId="{3E6C5A5E-0CE7-4DD8-A7B7-858141A2AFFD}" type="pres">
       <dgm:prSet presAssocID="{2B4B9154-9539-4EC0-B8DA-D49E34B4B1D3}" presName="parTrans" presStyleLbl="sibTrans2D1" presStyleIdx="2" presStyleCnt="7"/>
       <dgm:spPr/>
+      <dgm:t>
+        <a:bodyPr/>
+        <a:lstStyle/>
+        <a:p>
+          <a:endParaRPr lang="de-DE"/>
+        </a:p>
+      </dgm:t>
     </dgm:pt>
     <dgm:pt modelId="{70632132-F04B-4AE9-B8B0-6DB588EAB060}" type="pres">
       <dgm:prSet presAssocID="{2B4B9154-9539-4EC0-B8DA-D49E34B4B1D3}" presName="connectorText" presStyleLbl="sibTrans2D1" presStyleIdx="2" presStyleCnt="7"/>
       <dgm:spPr/>
+      <dgm:t>
+        <a:bodyPr/>
+        <a:lstStyle/>
+        <a:p>
+          <a:endParaRPr lang="de-DE"/>
+        </a:p>
+      </dgm:t>
     </dgm:pt>
     <dgm:pt modelId="{64909A40-281C-4012-A290-11E105503859}" type="pres">
       <dgm:prSet presAssocID="{A922D5F4-4F67-43F5-8D5B-CE3A4FDA056E}" presName="node" presStyleLbl="node1" presStyleIdx="2" presStyleCnt="7">
@@ -8617,10 +9016,24 @@
     <dgm:pt modelId="{21E06869-D0ED-4F86-B83D-56936213F1DB}" type="pres">
       <dgm:prSet presAssocID="{A39D52ED-2C6F-4C6F-A72E-A038764FB536}" presName="parTrans" presStyleLbl="sibTrans2D1" presStyleIdx="3" presStyleCnt="7"/>
       <dgm:spPr/>
+      <dgm:t>
+        <a:bodyPr/>
+        <a:lstStyle/>
+        <a:p>
+          <a:endParaRPr lang="de-DE"/>
+        </a:p>
+      </dgm:t>
     </dgm:pt>
     <dgm:pt modelId="{A1EDBFD4-C0A4-4619-9098-027032D0038D}" type="pres">
       <dgm:prSet presAssocID="{A39D52ED-2C6F-4C6F-A72E-A038764FB536}" presName="connectorText" presStyleLbl="sibTrans2D1" presStyleIdx="3" presStyleCnt="7"/>
       <dgm:spPr/>
+      <dgm:t>
+        <a:bodyPr/>
+        <a:lstStyle/>
+        <a:p>
+          <a:endParaRPr lang="de-DE"/>
+        </a:p>
+      </dgm:t>
     </dgm:pt>
     <dgm:pt modelId="{E3B9CC4E-B289-45D2-8E8D-5A5CAE1614BE}" type="pres">
       <dgm:prSet presAssocID="{EDB42703-B83A-4794-9521-E964E1FACBC0}" presName="node" presStyleLbl="node1" presStyleIdx="3" presStyleCnt="7">
@@ -8640,10 +9053,24 @@
     <dgm:pt modelId="{C05010F8-9818-4F8B-9B04-617C92E895A4}" type="pres">
       <dgm:prSet presAssocID="{CC1D2F84-78D5-43C8-A13B-1D8019E6EDB6}" presName="parTrans" presStyleLbl="sibTrans2D1" presStyleIdx="4" presStyleCnt="7"/>
       <dgm:spPr/>
+      <dgm:t>
+        <a:bodyPr/>
+        <a:lstStyle/>
+        <a:p>
+          <a:endParaRPr lang="de-DE"/>
+        </a:p>
+      </dgm:t>
     </dgm:pt>
     <dgm:pt modelId="{732EBD56-AE03-4017-A3B7-B78030B1E1CF}" type="pres">
       <dgm:prSet presAssocID="{CC1D2F84-78D5-43C8-A13B-1D8019E6EDB6}" presName="connectorText" presStyleLbl="sibTrans2D1" presStyleIdx="4" presStyleCnt="7"/>
       <dgm:spPr/>
+      <dgm:t>
+        <a:bodyPr/>
+        <a:lstStyle/>
+        <a:p>
+          <a:endParaRPr lang="de-DE"/>
+        </a:p>
+      </dgm:t>
     </dgm:pt>
     <dgm:pt modelId="{9C675751-0D64-417B-8F0C-57B1CD04880F}" type="pres">
       <dgm:prSet presAssocID="{C3E4261E-2688-4872-B706-CE0713E77E84}" presName="node" presStyleLbl="node1" presStyleIdx="4" presStyleCnt="7" custRadScaleRad="103328" custRadScaleInc="-8241">
@@ -8663,10 +9090,24 @@
     <dgm:pt modelId="{BE7267F4-1325-4D52-8C6A-DA46A1941A38}" type="pres">
       <dgm:prSet presAssocID="{9E8F232B-5A28-4740-A709-35361BECEF0D}" presName="parTrans" presStyleLbl="sibTrans2D1" presStyleIdx="5" presStyleCnt="7"/>
       <dgm:spPr/>
+      <dgm:t>
+        <a:bodyPr/>
+        <a:lstStyle/>
+        <a:p>
+          <a:endParaRPr lang="de-DE"/>
+        </a:p>
+      </dgm:t>
     </dgm:pt>
     <dgm:pt modelId="{790A0F09-AC5C-4E69-8AA8-D454AE9189B6}" type="pres">
       <dgm:prSet presAssocID="{9E8F232B-5A28-4740-A709-35361BECEF0D}" presName="connectorText" presStyleLbl="sibTrans2D1" presStyleIdx="5" presStyleCnt="7"/>
       <dgm:spPr/>
+      <dgm:t>
+        <a:bodyPr/>
+        <a:lstStyle/>
+        <a:p>
+          <a:endParaRPr lang="de-DE"/>
+        </a:p>
+      </dgm:t>
     </dgm:pt>
     <dgm:pt modelId="{8BF97886-FC98-4EE8-A27C-6EF0B5966A81}" type="pres">
       <dgm:prSet presAssocID="{540EAC52-B607-419F-836D-7E3B98986527}" presName="node" presStyleLbl="node1" presStyleIdx="5" presStyleCnt="7">
@@ -8675,14 +9116,35 @@
         </dgm:presLayoutVars>
       </dgm:prSet>
       <dgm:spPr/>
+      <dgm:t>
+        <a:bodyPr/>
+        <a:lstStyle/>
+        <a:p>
+          <a:endParaRPr lang="de-DE"/>
+        </a:p>
+      </dgm:t>
     </dgm:pt>
     <dgm:pt modelId="{0A90D38B-F06D-40AB-9954-8113B94CD2AA}" type="pres">
       <dgm:prSet presAssocID="{6EDDDE04-4E3F-4A32-AB61-99CD35BB7B6E}" presName="parTrans" presStyleLbl="sibTrans2D1" presStyleIdx="6" presStyleCnt="7"/>
       <dgm:spPr/>
+      <dgm:t>
+        <a:bodyPr/>
+        <a:lstStyle/>
+        <a:p>
+          <a:endParaRPr lang="de-DE"/>
+        </a:p>
+      </dgm:t>
     </dgm:pt>
     <dgm:pt modelId="{12B4001D-2FF4-47D9-8D8B-648631922630}" type="pres">
       <dgm:prSet presAssocID="{6EDDDE04-4E3F-4A32-AB61-99CD35BB7B6E}" presName="connectorText" presStyleLbl="sibTrans2D1" presStyleIdx="6" presStyleCnt="7"/>
       <dgm:spPr/>
+      <dgm:t>
+        <a:bodyPr/>
+        <a:lstStyle/>
+        <a:p>
+          <a:endParaRPr lang="de-DE"/>
+        </a:p>
+      </dgm:t>
     </dgm:pt>
     <dgm:pt modelId="{382D73C6-3615-48D2-9A1F-A56DB7940281}" type="pres">
       <dgm:prSet presAssocID="{9A0E5338-AC0D-4DF0-91FC-395303EF3D57}" presName="node" presStyleLbl="node1" presStyleIdx="6" presStyleCnt="7">
@@ -8691,6 +9153,13 @@
         </dgm:presLayoutVars>
       </dgm:prSet>
       <dgm:spPr/>
+      <dgm:t>
+        <a:bodyPr/>
+        <a:lstStyle/>
+        <a:p>
+          <a:endParaRPr lang="de-DE"/>
+        </a:p>
+      </dgm:t>
     </dgm:pt>
   </dgm:ptLst>
   <dgm:cxnLst>
@@ -8700,8 +9169,8 @@
     <dgm:cxn modelId="{0A664587-AC6D-40B3-8E23-5EA065CD0B31}" type="presOf" srcId="{A39D52ED-2C6F-4C6F-A72E-A038764FB536}" destId="{A1EDBFD4-C0A4-4619-9098-027032D0038D}" srcOrd="1" destOrd="0" presId="urn:microsoft.com/office/officeart/2005/8/layout/radial5"/>
     <dgm:cxn modelId="{CBD469C6-4863-40EA-81F7-977C34702202}" type="presOf" srcId="{7716D2D7-AE11-4024-8BA5-BEC8373344D7}" destId="{456C5250-D558-4F2C-89A4-BE2586DD6F8B}" srcOrd="0" destOrd="0" presId="urn:microsoft.com/office/officeart/2005/8/layout/radial5"/>
     <dgm:cxn modelId="{FF079825-A78E-4965-A92E-76283E0B310B}" type="presOf" srcId="{9A0E5338-AC0D-4DF0-91FC-395303EF3D57}" destId="{382D73C6-3615-48D2-9A1F-A56DB7940281}" srcOrd="0" destOrd="0" presId="urn:microsoft.com/office/officeart/2005/8/layout/radial5"/>
+    <dgm:cxn modelId="{FE9EFDC8-12C2-4147-83F8-3E06B1A79AB4}" type="presOf" srcId="{7A22B761-0B28-4A3D-8617-902603212F4F}" destId="{B48F9EDF-BEE9-45B1-A774-20C0F452687D}" srcOrd="0" destOrd="0" presId="urn:microsoft.com/office/officeart/2005/8/layout/radial5"/>
     <dgm:cxn modelId="{1710640D-8C25-4A33-91C6-93B6F8A62FFD}" srcId="{64300844-45B9-47B7-BE5D-029288657376}" destId="{70409739-4290-4ADE-91B8-5FB68AFE6F81}" srcOrd="1" destOrd="0" parTransId="{E50110B5-4652-473D-84B3-75BCE8596F7B}" sibTransId="{E3C52D30-679C-4A1E-A0DF-8640569E31BC}"/>
-    <dgm:cxn modelId="{FE9EFDC8-12C2-4147-83F8-3E06B1A79AB4}" type="presOf" srcId="{7A22B761-0B28-4A3D-8617-902603212F4F}" destId="{B48F9EDF-BEE9-45B1-A774-20C0F452687D}" srcOrd="0" destOrd="0" presId="urn:microsoft.com/office/officeart/2005/8/layout/radial5"/>
     <dgm:cxn modelId="{BF19564E-1D31-4077-B743-71EF897C94A2}" type="presOf" srcId="{9E8F232B-5A28-4740-A709-35361BECEF0D}" destId="{BE7267F4-1325-4D52-8C6A-DA46A1941A38}" srcOrd="0" destOrd="0" presId="urn:microsoft.com/office/officeart/2005/8/layout/radial5"/>
     <dgm:cxn modelId="{525C65E6-2487-445F-BB5C-99B7ECDD6EBC}" type="presOf" srcId="{74BF0AD8-8450-4BDC-B693-806C01CAE05C}" destId="{4C5A628C-DAC4-42A4-94CB-319C507621E6}" srcOrd="1" destOrd="0" presId="urn:microsoft.com/office/officeart/2005/8/layout/radial5"/>
     <dgm:cxn modelId="{6240A83D-3AE4-4ADC-A252-259F3ACBAE0B}" srcId="{64300844-45B9-47B7-BE5D-029288657376}" destId="{A922D5F4-4F67-43F5-8D5B-CE3A4FDA056E}" srcOrd="2" destOrd="0" parTransId="{2B4B9154-9539-4EC0-B8DA-D49E34B4B1D3}" sibTransId="{39F00C68-462D-4124-BB69-918B4CE637CD}"/>
@@ -8720,8 +9189,8 @@
     <dgm:cxn modelId="{8FE5B87C-8B25-4CCF-8715-0724AF046A39}" type="presOf" srcId="{C3E4261E-2688-4872-B706-CE0713E77E84}" destId="{9C675751-0D64-417B-8F0C-57B1CD04880F}" srcOrd="0" destOrd="0" presId="urn:microsoft.com/office/officeart/2005/8/layout/radial5"/>
     <dgm:cxn modelId="{2BB33A3D-9D86-4752-B2AC-0B06063A40F1}" type="presOf" srcId="{2B4B9154-9539-4EC0-B8DA-D49E34B4B1D3}" destId="{70632132-F04B-4AE9-B8B0-6DB588EAB060}" srcOrd="1" destOrd="0" presId="urn:microsoft.com/office/officeart/2005/8/layout/radial5"/>
     <dgm:cxn modelId="{758EBED8-ACCA-4349-9C71-616F40FADC8F}" type="presOf" srcId="{A39D52ED-2C6F-4C6F-A72E-A038764FB536}" destId="{21E06869-D0ED-4F86-B83D-56936213F1DB}" srcOrd="0" destOrd="0" presId="urn:microsoft.com/office/officeart/2005/8/layout/radial5"/>
+    <dgm:cxn modelId="{B5985EB4-002B-4FC9-B4A9-E2432799499E}" srcId="{64300844-45B9-47B7-BE5D-029288657376}" destId="{9A0E5338-AC0D-4DF0-91FC-395303EF3D57}" srcOrd="6" destOrd="0" parTransId="{6EDDDE04-4E3F-4A32-AB61-99CD35BB7B6E}" sibTransId="{F119F573-8FD8-4D8C-AB40-5C86A87BE318}"/>
     <dgm:cxn modelId="{EACEF8BF-0467-459A-A372-0BA286C90908}" type="presOf" srcId="{6EDDDE04-4E3F-4A32-AB61-99CD35BB7B6E}" destId="{12B4001D-2FF4-47D9-8D8B-648631922630}" srcOrd="1" destOrd="0" presId="urn:microsoft.com/office/officeart/2005/8/layout/radial5"/>
-    <dgm:cxn modelId="{B5985EB4-002B-4FC9-B4A9-E2432799499E}" srcId="{64300844-45B9-47B7-BE5D-029288657376}" destId="{9A0E5338-AC0D-4DF0-91FC-395303EF3D57}" srcOrd="6" destOrd="0" parTransId="{6EDDDE04-4E3F-4A32-AB61-99CD35BB7B6E}" sibTransId="{F119F573-8FD8-4D8C-AB40-5C86A87BE318}"/>
     <dgm:cxn modelId="{3615201D-E123-4313-B619-51505A6278CC}" type="presOf" srcId="{9E8F232B-5A28-4740-A709-35361BECEF0D}" destId="{790A0F09-AC5C-4E69-8AA8-D454AE9189B6}" srcOrd="1" destOrd="0" presId="urn:microsoft.com/office/officeart/2005/8/layout/radial5"/>
     <dgm:cxn modelId="{AE4B3E48-D2DC-4A6B-9385-6570A434E741}" type="presOf" srcId="{6EDDDE04-4E3F-4A32-AB61-99CD35BB7B6E}" destId="{0A90D38B-F06D-40AB-9954-8113B94CD2AA}" srcOrd="0" destOrd="0" presId="urn:microsoft.com/office/officeart/2005/8/layout/radial5"/>
     <dgm:cxn modelId="{DAE289A4-E2D3-4E14-8381-33964F7F8EE9}" type="presOf" srcId="{EDB42703-B83A-4794-9521-E964E1FACBC0}" destId="{E3B9CC4E-B289-45D2-8E8D-5A5CAE1614BE}" srcOrd="0" destOrd="0" presId="urn:microsoft.com/office/officeart/2005/8/layout/radial5"/>
@@ -9098,10 +9567,24 @@
     <dgm:pt modelId="{DF6CD740-0B72-4EF5-87A9-9067A199471F}" type="pres">
       <dgm:prSet presAssocID="{74BF0AD8-8450-4BDC-B693-806C01CAE05C}" presName="parTrans" presStyleLbl="sibTrans2D1" presStyleIdx="0" presStyleCnt="7"/>
       <dgm:spPr/>
+      <dgm:t>
+        <a:bodyPr/>
+        <a:lstStyle/>
+        <a:p>
+          <a:endParaRPr lang="de-DE"/>
+        </a:p>
+      </dgm:t>
     </dgm:pt>
     <dgm:pt modelId="{4C5A628C-DAC4-42A4-94CB-319C507621E6}" type="pres">
       <dgm:prSet presAssocID="{74BF0AD8-8450-4BDC-B693-806C01CAE05C}" presName="connectorText" presStyleLbl="sibTrans2D1" presStyleIdx="0" presStyleCnt="7"/>
       <dgm:spPr/>
+      <dgm:t>
+        <a:bodyPr/>
+        <a:lstStyle/>
+        <a:p>
+          <a:endParaRPr lang="de-DE"/>
+        </a:p>
+      </dgm:t>
     </dgm:pt>
     <dgm:pt modelId="{456C5250-D558-4F2C-89A4-BE2586DD6F8B}" type="pres">
       <dgm:prSet presAssocID="{7716D2D7-AE11-4024-8BA5-BEC8373344D7}" presName="node" presStyleLbl="node1" presStyleIdx="0" presStyleCnt="7">
@@ -9121,10 +9604,24 @@
     <dgm:pt modelId="{B64A740A-0CF2-4AF6-967C-823BFD6C8C9B}" type="pres">
       <dgm:prSet presAssocID="{E50110B5-4652-473D-84B3-75BCE8596F7B}" presName="parTrans" presStyleLbl="sibTrans2D1" presStyleIdx="1" presStyleCnt="7"/>
       <dgm:spPr/>
+      <dgm:t>
+        <a:bodyPr/>
+        <a:lstStyle/>
+        <a:p>
+          <a:endParaRPr lang="de-DE"/>
+        </a:p>
+      </dgm:t>
     </dgm:pt>
     <dgm:pt modelId="{0491B216-38EC-4B0D-9A11-F64E45B9EEFD}" type="pres">
       <dgm:prSet presAssocID="{E50110B5-4652-473D-84B3-75BCE8596F7B}" presName="connectorText" presStyleLbl="sibTrans2D1" presStyleIdx="1" presStyleCnt="7"/>
       <dgm:spPr/>
+      <dgm:t>
+        <a:bodyPr/>
+        <a:lstStyle/>
+        <a:p>
+          <a:endParaRPr lang="de-DE"/>
+        </a:p>
+      </dgm:t>
     </dgm:pt>
     <dgm:pt modelId="{A352E85C-0B09-47E6-9092-CDB78B8C46E7}" type="pres">
       <dgm:prSet presAssocID="{70409739-4290-4ADE-91B8-5FB68AFE6F81}" presName="node" presStyleLbl="node1" presStyleIdx="1" presStyleCnt="7">
@@ -9144,10 +9641,24 @@
     <dgm:pt modelId="{3E6C5A5E-0CE7-4DD8-A7B7-858141A2AFFD}" type="pres">
       <dgm:prSet presAssocID="{2B4B9154-9539-4EC0-B8DA-D49E34B4B1D3}" presName="parTrans" presStyleLbl="sibTrans2D1" presStyleIdx="2" presStyleCnt="7"/>
       <dgm:spPr/>
+      <dgm:t>
+        <a:bodyPr/>
+        <a:lstStyle/>
+        <a:p>
+          <a:endParaRPr lang="de-DE"/>
+        </a:p>
+      </dgm:t>
     </dgm:pt>
     <dgm:pt modelId="{70632132-F04B-4AE9-B8B0-6DB588EAB060}" type="pres">
       <dgm:prSet presAssocID="{2B4B9154-9539-4EC0-B8DA-D49E34B4B1D3}" presName="connectorText" presStyleLbl="sibTrans2D1" presStyleIdx="2" presStyleCnt="7"/>
       <dgm:spPr/>
+      <dgm:t>
+        <a:bodyPr/>
+        <a:lstStyle/>
+        <a:p>
+          <a:endParaRPr lang="de-DE"/>
+        </a:p>
+      </dgm:t>
     </dgm:pt>
     <dgm:pt modelId="{64909A40-281C-4012-A290-11E105503859}" type="pres">
       <dgm:prSet presAssocID="{A922D5F4-4F67-43F5-8D5B-CE3A4FDA056E}" presName="node" presStyleLbl="node1" presStyleIdx="2" presStyleCnt="7">
@@ -9167,10 +9678,24 @@
     <dgm:pt modelId="{21E06869-D0ED-4F86-B83D-56936213F1DB}" type="pres">
       <dgm:prSet presAssocID="{A39D52ED-2C6F-4C6F-A72E-A038764FB536}" presName="parTrans" presStyleLbl="sibTrans2D1" presStyleIdx="3" presStyleCnt="7"/>
       <dgm:spPr/>
+      <dgm:t>
+        <a:bodyPr/>
+        <a:lstStyle/>
+        <a:p>
+          <a:endParaRPr lang="de-DE"/>
+        </a:p>
+      </dgm:t>
     </dgm:pt>
     <dgm:pt modelId="{A1EDBFD4-C0A4-4619-9098-027032D0038D}" type="pres">
       <dgm:prSet presAssocID="{A39D52ED-2C6F-4C6F-A72E-A038764FB536}" presName="connectorText" presStyleLbl="sibTrans2D1" presStyleIdx="3" presStyleCnt="7"/>
       <dgm:spPr/>
+      <dgm:t>
+        <a:bodyPr/>
+        <a:lstStyle/>
+        <a:p>
+          <a:endParaRPr lang="de-DE"/>
+        </a:p>
+      </dgm:t>
     </dgm:pt>
     <dgm:pt modelId="{E3B9CC4E-B289-45D2-8E8D-5A5CAE1614BE}" type="pres">
       <dgm:prSet presAssocID="{EDB42703-B83A-4794-9521-E964E1FACBC0}" presName="node" presStyleLbl="node1" presStyleIdx="3" presStyleCnt="7">
@@ -9190,10 +9715,24 @@
     <dgm:pt modelId="{C05010F8-9818-4F8B-9B04-617C92E895A4}" type="pres">
       <dgm:prSet presAssocID="{CC1D2F84-78D5-43C8-A13B-1D8019E6EDB6}" presName="parTrans" presStyleLbl="sibTrans2D1" presStyleIdx="4" presStyleCnt="7"/>
       <dgm:spPr/>
+      <dgm:t>
+        <a:bodyPr/>
+        <a:lstStyle/>
+        <a:p>
+          <a:endParaRPr lang="de-DE"/>
+        </a:p>
+      </dgm:t>
     </dgm:pt>
     <dgm:pt modelId="{732EBD56-AE03-4017-A3B7-B78030B1E1CF}" type="pres">
       <dgm:prSet presAssocID="{CC1D2F84-78D5-43C8-A13B-1D8019E6EDB6}" presName="connectorText" presStyleLbl="sibTrans2D1" presStyleIdx="4" presStyleCnt="7"/>
       <dgm:spPr/>
+      <dgm:t>
+        <a:bodyPr/>
+        <a:lstStyle/>
+        <a:p>
+          <a:endParaRPr lang="de-DE"/>
+        </a:p>
+      </dgm:t>
     </dgm:pt>
     <dgm:pt modelId="{9C675751-0D64-417B-8F0C-57B1CD04880F}" type="pres">
       <dgm:prSet presAssocID="{C3E4261E-2688-4872-B706-CE0713E77E84}" presName="node" presStyleLbl="node1" presStyleIdx="4" presStyleCnt="7" custRadScaleRad="103328" custRadScaleInc="-8241">
@@ -9213,10 +9752,24 @@
     <dgm:pt modelId="{EB22F6E4-4835-47AC-B197-4182A2D493E1}" type="pres">
       <dgm:prSet presAssocID="{FAAEF7A3-9CB9-4FC1-81D1-EDE870C51B1C}" presName="parTrans" presStyleLbl="sibTrans2D1" presStyleIdx="5" presStyleCnt="7"/>
       <dgm:spPr/>
+      <dgm:t>
+        <a:bodyPr/>
+        <a:lstStyle/>
+        <a:p>
+          <a:endParaRPr lang="de-DE"/>
+        </a:p>
+      </dgm:t>
     </dgm:pt>
     <dgm:pt modelId="{1A4B4981-0915-4D72-A9AE-68A0147B7BCE}" type="pres">
       <dgm:prSet presAssocID="{FAAEF7A3-9CB9-4FC1-81D1-EDE870C51B1C}" presName="connectorText" presStyleLbl="sibTrans2D1" presStyleIdx="5" presStyleCnt="7"/>
       <dgm:spPr/>
+      <dgm:t>
+        <a:bodyPr/>
+        <a:lstStyle/>
+        <a:p>
+          <a:endParaRPr lang="de-DE"/>
+        </a:p>
+      </dgm:t>
     </dgm:pt>
     <dgm:pt modelId="{E365E609-EE8F-44DE-A491-F4BC9F63905A}" type="pres">
       <dgm:prSet presAssocID="{9B4502A8-9F05-4C65-AC27-436B42A55F69}" presName="node" presStyleLbl="node1" presStyleIdx="5" presStyleCnt="7">
@@ -9225,14 +9778,35 @@
         </dgm:presLayoutVars>
       </dgm:prSet>
       <dgm:spPr/>
+      <dgm:t>
+        <a:bodyPr/>
+        <a:lstStyle/>
+        <a:p>
+          <a:endParaRPr lang="de-DE"/>
+        </a:p>
+      </dgm:t>
     </dgm:pt>
     <dgm:pt modelId="{DE13B22B-0060-45D5-A15C-4317D93E5F0A}" type="pres">
       <dgm:prSet presAssocID="{DDF38211-F53B-4CAD-AD4C-0E3AE9884493}" presName="parTrans" presStyleLbl="sibTrans2D1" presStyleIdx="6" presStyleCnt="7"/>
       <dgm:spPr/>
+      <dgm:t>
+        <a:bodyPr/>
+        <a:lstStyle/>
+        <a:p>
+          <a:endParaRPr lang="de-DE"/>
+        </a:p>
+      </dgm:t>
     </dgm:pt>
     <dgm:pt modelId="{E5A8EFA3-5DB6-441A-A171-822B5A52FC2C}" type="pres">
       <dgm:prSet presAssocID="{DDF38211-F53B-4CAD-AD4C-0E3AE9884493}" presName="connectorText" presStyleLbl="sibTrans2D1" presStyleIdx="6" presStyleCnt="7"/>
       <dgm:spPr/>
+      <dgm:t>
+        <a:bodyPr/>
+        <a:lstStyle/>
+        <a:p>
+          <a:endParaRPr lang="de-DE"/>
+        </a:p>
+      </dgm:t>
     </dgm:pt>
     <dgm:pt modelId="{A8E89793-7078-491F-9122-4197A9BB6043}" type="pres">
       <dgm:prSet presAssocID="{098E2BF9-A1D1-4AE6-AA76-1E26510A5C3F}" presName="node" presStyleLbl="node1" presStyleIdx="6" presStyleCnt="7">
@@ -9241,6 +9815,13 @@
         </dgm:presLayoutVars>
       </dgm:prSet>
       <dgm:spPr/>
+      <dgm:t>
+        <a:bodyPr/>
+        <a:lstStyle/>
+        <a:p>
+          <a:endParaRPr lang="de-DE"/>
+        </a:p>
+      </dgm:t>
     </dgm:pt>
   </dgm:ptLst>
   <dgm:cxnLst>
@@ -9249,8 +9830,8 @@
     <dgm:cxn modelId="{2E197DC7-549C-494B-8909-3D11475400F4}" type="presOf" srcId="{A922D5F4-4F67-43F5-8D5B-CE3A4FDA056E}" destId="{64909A40-281C-4012-A290-11E105503859}" srcOrd="0" destOrd="0" presId="urn:microsoft.com/office/officeart/2005/8/layout/radial5"/>
     <dgm:cxn modelId="{0A664587-AC6D-40B3-8E23-5EA065CD0B31}" type="presOf" srcId="{A39D52ED-2C6F-4C6F-A72E-A038764FB536}" destId="{A1EDBFD4-C0A4-4619-9098-027032D0038D}" srcOrd="1" destOrd="0" presId="urn:microsoft.com/office/officeart/2005/8/layout/radial5"/>
     <dgm:cxn modelId="{CBD469C6-4863-40EA-81F7-977C34702202}" type="presOf" srcId="{7716D2D7-AE11-4024-8BA5-BEC8373344D7}" destId="{456C5250-D558-4F2C-89A4-BE2586DD6F8B}" srcOrd="0" destOrd="0" presId="urn:microsoft.com/office/officeart/2005/8/layout/radial5"/>
+    <dgm:cxn modelId="{FE9EFDC8-12C2-4147-83F8-3E06B1A79AB4}" type="presOf" srcId="{7A22B761-0B28-4A3D-8617-902603212F4F}" destId="{B48F9EDF-BEE9-45B1-A774-20C0F452687D}" srcOrd="0" destOrd="0" presId="urn:microsoft.com/office/officeart/2005/8/layout/radial5"/>
     <dgm:cxn modelId="{1710640D-8C25-4A33-91C6-93B6F8A62FFD}" srcId="{64300844-45B9-47B7-BE5D-029288657376}" destId="{70409739-4290-4ADE-91B8-5FB68AFE6F81}" srcOrd="1" destOrd="0" parTransId="{E50110B5-4652-473D-84B3-75BCE8596F7B}" sibTransId="{E3C52D30-679C-4A1E-A0DF-8640569E31BC}"/>
-    <dgm:cxn modelId="{FE9EFDC8-12C2-4147-83F8-3E06B1A79AB4}" type="presOf" srcId="{7A22B761-0B28-4A3D-8617-902603212F4F}" destId="{B48F9EDF-BEE9-45B1-A774-20C0F452687D}" srcOrd="0" destOrd="0" presId="urn:microsoft.com/office/officeart/2005/8/layout/radial5"/>
     <dgm:cxn modelId="{525C65E6-2487-445F-BB5C-99B7ECDD6EBC}" type="presOf" srcId="{74BF0AD8-8450-4BDC-B693-806C01CAE05C}" destId="{4C5A628C-DAC4-42A4-94CB-319C507621E6}" srcOrd="1" destOrd="0" presId="urn:microsoft.com/office/officeart/2005/8/layout/radial5"/>
     <dgm:cxn modelId="{308A9122-E0FA-4E7A-B824-CBBC8F259516}" type="presOf" srcId="{9B4502A8-9F05-4C65-AC27-436B42A55F69}" destId="{E365E609-EE8F-44DE-A491-F4BC9F63905A}" srcOrd="0" destOrd="0" presId="urn:microsoft.com/office/officeart/2005/8/layout/radial5"/>
     <dgm:cxn modelId="{CB1DD515-6DAC-4B6D-BECD-7FEDF380E8E9}" type="presOf" srcId="{098E2BF9-A1D1-4AE6-AA76-1E26510A5C3F}" destId="{A8E89793-7078-491F-9122-4197A9BB6043}" srcOrd="0" destOrd="0" presId="urn:microsoft.com/office/officeart/2005/8/layout/radial5"/>
@@ -13236,8 +13817,8 @@
       </dsp:nvSpPr>
       <dsp:spPr>
         <a:xfrm>
-          <a:off x="3401751" y="1694993"/>
-          <a:ext cx="872059" cy="872059"/>
+          <a:off x="3399387" y="1692468"/>
+          <a:ext cx="876788" cy="876788"/>
         </a:xfrm>
         <a:prstGeom prst="ellipse">
           <a:avLst/>
@@ -13302,8 +13883,8 @@
         </a:p>
       </dsp:txBody>
       <dsp:txXfrm>
-        <a:off x="3529461" y="1822703"/>
-        <a:ext cx="616639" cy="616639"/>
+        <a:off x="3527790" y="1820871"/>
+        <a:ext cx="619982" cy="619982"/>
       </dsp:txXfrm>
     </dsp:sp>
     <dsp:sp modelId="{DF6CD740-0B72-4EF5-87A9-9067A199471F}">
@@ -13313,8 +13894,8 @@
       </dsp:nvSpPr>
       <dsp:spPr>
         <a:xfrm rot="16200000">
-          <a:off x="3678252" y="1254776"/>
-          <a:ext cx="319057" cy="296500"/>
+          <a:off x="3679253" y="1253278"/>
+          <a:ext cx="317055" cy="298108"/>
         </a:xfrm>
         <a:prstGeom prst="rightArrow">
           <a:avLst>
@@ -13371,8 +13952,8 @@
         </a:p>
       </dsp:txBody>
       <dsp:txXfrm>
-        <a:off x="3722727" y="1358551"/>
-        <a:ext cx="230107" cy="177900"/>
+        <a:off x="3723969" y="1357616"/>
+        <a:ext cx="227623" cy="178864"/>
       </dsp:txXfrm>
     </dsp:sp>
     <dsp:sp modelId="{456C5250-D558-4F2C-89A4-BE2586DD6F8B}">
@@ -13382,8 +13963,8 @@
       </dsp:nvSpPr>
       <dsp:spPr>
         <a:xfrm>
-          <a:off x="3292744" y="2924"/>
-          <a:ext cx="1090074" cy="1090074"/>
+          <a:off x="3294583" y="7854"/>
+          <a:ext cx="1086396" cy="1086396"/>
         </a:xfrm>
         <a:prstGeom prst="ellipse">
           <a:avLst/>
@@ -13448,8 +14029,8 @@
         </a:p>
       </dsp:txBody>
       <dsp:txXfrm>
-        <a:off x="3452382" y="162562"/>
-        <a:ext cx="770798" cy="770798"/>
+        <a:off x="3453682" y="166953"/>
+        <a:ext cx="768198" cy="768198"/>
       </dsp:txXfrm>
     </dsp:sp>
     <dsp:sp modelId="{B64A740A-0CF2-4AF6-967C-823BFD6C8C9B}">
@@ -13459,8 +14040,8 @@
       </dsp:nvSpPr>
       <dsp:spPr>
         <a:xfrm rot="19285714">
-          <a:off x="4247424" y="1528874"/>
-          <a:ext cx="319057" cy="296500"/>
+          <a:off x="4248841" y="1527577"/>
+          <a:ext cx="317055" cy="298108"/>
         </a:xfrm>
         <a:prstGeom prst="rightArrow">
           <a:avLst>
@@ -13517,8 +14098,8 @@
         </a:p>
       </dsp:txBody>
       <dsp:txXfrm>
-        <a:off x="4257127" y="1615904"/>
-        <a:ext cx="230107" cy="177900"/>
+        <a:off x="4258597" y="1615079"/>
+        <a:ext cx="227623" cy="178864"/>
       </dsp:txXfrm>
     </dsp:sp>
     <dsp:sp modelId="{A352E85C-0B09-47E6-9092-CDB78B8C46E7}">
@@ -13528,8 +14109,8 @@
       </dsp:nvSpPr>
       <dsp:spPr>
         <a:xfrm>
-          <a:off x="4530431" y="598963"/>
-          <a:ext cx="1090074" cy="1090074"/>
+          <a:off x="4529728" y="602668"/>
+          <a:ext cx="1086396" cy="1086396"/>
         </a:xfrm>
         <a:prstGeom prst="ellipse">
           <a:avLst/>
@@ -13593,8 +14174,8 @@
         </a:p>
       </dsp:txBody>
       <dsp:txXfrm>
-        <a:off x="4690069" y="758601"/>
-        <a:ext cx="770798" cy="770798"/>
+        <a:off x="4688827" y="761767"/>
+        <a:ext cx="768198" cy="768198"/>
       </dsp:txXfrm>
     </dsp:sp>
     <dsp:sp modelId="{3E6C5A5E-0CE7-4DD8-A7B7-858141A2AFFD}">
@@ -13604,8 +14185,8 @@
       </dsp:nvSpPr>
       <dsp:spPr>
         <a:xfrm rot="771429">
-          <a:off x="4387997" y="2144768"/>
-          <a:ext cx="319057" cy="296500"/>
+          <a:off x="4389518" y="2143921"/>
+          <a:ext cx="317055" cy="298108"/>
         </a:xfrm>
         <a:prstGeom prst="rightArrow">
           <a:avLst>
@@ -13662,8 +14243,8 @@
         </a:p>
       </dsp:txBody>
       <dsp:txXfrm>
-        <a:off x="4389112" y="2194171"/>
-        <a:ext cx="230107" cy="177900"/>
+        <a:off x="4390639" y="2193593"/>
+        <a:ext cx="227623" cy="178864"/>
       </dsp:txXfrm>
     </dsp:sp>
     <dsp:sp modelId="{64909A40-281C-4012-A290-11E105503859}">
@@ -13673,8 +14254,8 @@
       </dsp:nvSpPr>
       <dsp:spPr>
         <a:xfrm>
-          <a:off x="4836115" y="1938250"/>
-          <a:ext cx="1090074" cy="1090074"/>
+          <a:off x="4834784" y="1939205"/>
+          <a:ext cx="1086396" cy="1086396"/>
         </a:xfrm>
         <a:prstGeom prst="ellipse">
           <a:avLst/>
@@ -13738,8 +14319,8 @@
         </a:p>
       </dsp:txBody>
       <dsp:txXfrm>
-        <a:off x="4995753" y="2097888"/>
-        <a:ext cx="770798" cy="770798"/>
+        <a:off x="4993883" y="2098304"/>
+        <a:ext cx="768198" cy="768198"/>
       </dsp:txXfrm>
     </dsp:sp>
     <dsp:sp modelId="{21E06869-D0ED-4F86-B83D-56936213F1DB}">
@@ -13749,8 +14330,8 @@
       </dsp:nvSpPr>
       <dsp:spPr>
         <a:xfrm rot="3857143">
-          <a:off x="3994119" y="2638676"/>
-          <a:ext cx="319057" cy="296500"/>
+          <a:off x="3995351" y="2638191"/>
+          <a:ext cx="317055" cy="298108"/>
         </a:xfrm>
         <a:prstGeom prst="rightArrow">
           <a:avLst>
@@ -13807,8 +14388,8 @@
         </a:p>
       </dsp:txBody>
       <dsp:txXfrm>
-        <a:off x="4019297" y="2657905"/>
-        <a:ext cx="230107" cy="177900"/>
+        <a:off x="4020665" y="2657525"/>
+        <a:ext cx="227623" cy="178864"/>
       </dsp:txXfrm>
     </dsp:sp>
     <dsp:sp modelId="{E3B9CC4E-B289-45D2-8E8D-5A5CAE1614BE}">
@@ -13818,8 +14399,8 @@
       </dsp:nvSpPr>
       <dsp:spPr>
         <a:xfrm>
-          <a:off x="3979608" y="3012275"/>
-          <a:ext cx="1090074" cy="1090074"/>
+          <a:off x="3980037" y="3011024"/>
+          <a:ext cx="1086396" cy="1086396"/>
         </a:xfrm>
         <a:prstGeom prst="ellipse">
           <a:avLst/>
@@ -13883,8 +14464,8 @@
         </a:p>
       </dsp:txBody>
       <dsp:txXfrm>
-        <a:off x="4139246" y="3171913"/>
-        <a:ext cx="770798" cy="770798"/>
+        <a:off x="4139136" y="3170123"/>
+        <a:ext cx="768198" cy="768198"/>
       </dsp:txXfrm>
     </dsp:sp>
     <dsp:sp modelId="{C05010F8-9818-4F8B-9B04-617C92E895A4}">
@@ -13893,9 +14474,9 @@
         <dsp:cNvSpPr/>
       </dsp:nvSpPr>
       <dsp:spPr>
-        <a:xfrm rot="6876791">
-          <a:off x="3380191" y="2639769"/>
-          <a:ext cx="313220" cy="296500"/>
+        <a:xfrm rot="6872299">
+          <a:off x="3379725" y="2641672"/>
+          <a:ext cx="313610" cy="298108"/>
         </a:xfrm>
         <a:prstGeom prst="rightArrow">
           <a:avLst>
@@ -13952,8 +14533,8 @@
         </a:p>
       </dsp:txBody>
       <dsp:txXfrm rot="10800000">
-        <a:off x="3443189" y="2658635"/>
-        <a:ext cx="224270" cy="177900"/>
+        <a:off x="3443012" y="2660617"/>
+        <a:ext cx="224178" cy="178864"/>
       </dsp:txXfrm>
     </dsp:sp>
     <dsp:sp modelId="{9C675751-0D64-417B-8F0C-57B1CD04880F}">
@@ -13963,8 +14544,8 @@
       </dsp:nvSpPr>
       <dsp:spPr>
         <a:xfrm>
-          <a:off x="2638000" y="3015200"/>
-          <a:ext cx="1090074" cy="1090074"/>
+          <a:off x="2641185" y="3018878"/>
+          <a:ext cx="1086396" cy="1086396"/>
         </a:xfrm>
         <a:prstGeom prst="ellipse">
           <a:avLst/>
@@ -14028,8 +14609,8 @@
         </a:p>
       </dsp:txBody>
       <dsp:txXfrm>
-        <a:off x="2797638" y="3174838"/>
-        <a:ext cx="770798" cy="770798"/>
+        <a:off x="2800284" y="3177977"/>
+        <a:ext cx="768198" cy="768198"/>
       </dsp:txXfrm>
     </dsp:sp>
     <dsp:sp modelId="{BE7267F4-1325-4D52-8C6A-DA46A1941A38}">
@@ -14039,8 +14620,8 @@
       </dsp:nvSpPr>
       <dsp:spPr>
         <a:xfrm rot="10028571">
-          <a:off x="2968508" y="2144768"/>
-          <a:ext cx="319057" cy="296500"/>
+          <a:off x="2968989" y="2143921"/>
+          <a:ext cx="317055" cy="298108"/>
         </a:xfrm>
         <a:prstGeom prst="rightArrow">
           <a:avLst>
@@ -14097,8 +14678,8 @@
         </a:p>
       </dsp:txBody>
       <dsp:txXfrm rot="10800000">
-        <a:off x="3056343" y="2194171"/>
-        <a:ext cx="230107" cy="177900"/>
+        <a:off x="3057300" y="2193593"/>
+        <a:ext cx="227623" cy="178864"/>
       </dsp:txXfrm>
     </dsp:sp>
     <dsp:sp modelId="{8BF97886-FC98-4EE8-A27C-6EF0B5966A81}">
@@ -14108,8 +14689,8 @@
       </dsp:nvSpPr>
       <dsp:spPr>
         <a:xfrm>
-          <a:off x="1749372" y="1938250"/>
-          <a:ext cx="1090074" cy="1090074"/>
+          <a:off x="1754382" y="1939205"/>
+          <a:ext cx="1086396" cy="1086396"/>
         </a:xfrm>
         <a:prstGeom prst="ellipse">
           <a:avLst/>
@@ -14174,8 +14755,8 @@
         </a:p>
       </dsp:txBody>
       <dsp:txXfrm>
-        <a:off x="1909010" y="2097888"/>
-        <a:ext cx="770798" cy="770798"/>
+        <a:off x="1913481" y="2098304"/>
+        <a:ext cx="768198" cy="768198"/>
       </dsp:txXfrm>
     </dsp:sp>
     <dsp:sp modelId="{0A90D38B-F06D-40AB-9954-8113B94CD2AA}">
@@ -14185,8 +14766,8 @@
       </dsp:nvSpPr>
       <dsp:spPr>
         <a:xfrm rot="13114286">
-          <a:off x="3109081" y="1528874"/>
-          <a:ext cx="319057" cy="296500"/>
+          <a:off x="3109666" y="1527577"/>
+          <a:ext cx="317055" cy="298108"/>
         </a:xfrm>
         <a:prstGeom prst="rightArrow">
           <a:avLst>
@@ -14243,8 +14824,8 @@
         </a:p>
       </dsp:txBody>
       <dsp:txXfrm rot="10800000">
-        <a:off x="3188328" y="1615904"/>
-        <a:ext cx="230107" cy="177900"/>
+        <a:off x="3189342" y="1615079"/>
+        <a:ext cx="227623" cy="178864"/>
       </dsp:txXfrm>
     </dsp:sp>
     <dsp:sp modelId="{382D73C6-3615-48D2-9A1F-A56DB7940281}">
@@ -14254,8 +14835,8 @@
       </dsp:nvSpPr>
       <dsp:spPr>
         <a:xfrm>
-          <a:off x="2055056" y="598963"/>
-          <a:ext cx="1090074" cy="1090074"/>
+          <a:off x="2059437" y="602668"/>
+          <a:ext cx="1086396" cy="1086396"/>
         </a:xfrm>
         <a:prstGeom prst="ellipse">
           <a:avLst/>
@@ -14320,8 +14901,8 @@
         </a:p>
       </dsp:txBody>
       <dsp:txXfrm>
-        <a:off x="2214694" y="758601"/>
-        <a:ext cx="770798" cy="770798"/>
+        <a:off x="2218536" y="761767"/>
+        <a:ext cx="768198" cy="768198"/>
       </dsp:txXfrm>
     </dsp:sp>
   </dsp:spTree>
@@ -25767,7 +26348,7 @@
           <a:p>
             <a:fld id="{276817F0-84FC-C145-AFC3-FA42D1D21F8E}" type="datetimeFigureOut">
               <a:rPr lang="de-DE" smtClean="0"/>
-              <a:t>24.07.2018</a:t>
+              <a:t>26.07.2018</a:t>
             </a:fld>
             <a:endParaRPr lang="de-DE"/>
           </a:p>
@@ -25933,7 +26514,7 @@
           <a:p>
             <a:fld id="{F80FA3C8-DE25-7348-A1F7-D749F91943C8}" type="datetimeFigureOut">
               <a:rPr lang="de-DE" smtClean="0"/>
-              <a:t>24.07.2018</a:t>
+              <a:t>26.07.2018</a:t>
             </a:fld>
             <a:endParaRPr lang="de-DE"/>
           </a:p>
@@ -26883,7 +27464,7 @@
           <a:p>
             <a:fld id="{DA34EC2F-35A0-4A1B-94F0-417F5D930BE7}" type="datetime1">
               <a:rPr lang="de-DE" smtClean="0"/>
-              <a:t>24.07.2018</a:t>
+              <a:t>26.07.2018</a:t>
             </a:fld>
             <a:endParaRPr lang="de-DE" dirty="0"/>
           </a:p>
@@ -27077,7 +27658,7 @@
           <a:p>
             <a:fld id="{1777ED56-BCD1-49BE-A138-DA0D4ADD2187}" type="datetime1">
               <a:rPr lang="de-DE" smtClean="0"/>
-              <a:t>24.07.2018</a:t>
+              <a:t>26.07.2018</a:t>
             </a:fld>
             <a:endParaRPr lang="de-DE"/>
           </a:p>
@@ -27252,7 +27833,7 @@
           <a:p>
             <a:fld id="{5FBE72BE-0F03-4BAE-A652-BB8184366231}" type="datetime1">
               <a:rPr lang="de-DE" smtClean="0"/>
-              <a:t>24.07.2018</a:t>
+              <a:t>26.07.2018</a:t>
             </a:fld>
             <a:endParaRPr lang="de-DE"/>
           </a:p>
@@ -27437,7 +28018,7 @@
           <a:p>
             <a:fld id="{BC201A49-8B56-45B1-8F48-1DAD15D4227B}" type="datetime1">
               <a:rPr lang="de-DE" smtClean="0"/>
-              <a:t>24.07.2018</a:t>
+              <a:t>26.07.2018</a:t>
             </a:fld>
             <a:endParaRPr lang="de-DE" dirty="0"/>
           </a:p>
@@ -27697,7 +28278,7 @@
           <a:p>
             <a:fld id="{C10DC4D7-4F6D-4B33-8E04-0D041FCFF118}" type="datetime1">
               <a:rPr lang="de-DE" smtClean="0"/>
-              <a:t>24.07.2018</a:t>
+              <a:t>26.07.2018</a:t>
             </a:fld>
             <a:endParaRPr lang="de-DE"/>
           </a:p>
@@ -27988,7 +28569,7 @@
           <a:p>
             <a:fld id="{3918BFBE-FC50-467F-BD24-D3B0C3352107}" type="datetime1">
               <a:rPr lang="de-DE" smtClean="0"/>
-              <a:t>24.07.2018</a:t>
+              <a:t>26.07.2018</a:t>
             </a:fld>
             <a:endParaRPr lang="de-DE"/>
           </a:p>
@@ -28419,7 +29000,7 @@
           <a:p>
             <a:fld id="{8AAC1A3D-26D8-4BC3-A25F-40560E39117B}" type="datetime1">
               <a:rPr lang="de-DE" smtClean="0"/>
-              <a:t>24.07.2018</a:t>
+              <a:t>26.07.2018</a:t>
             </a:fld>
             <a:endParaRPr lang="de-DE"/>
           </a:p>
@@ -28534,7 +29115,7 @@
           <a:p>
             <a:fld id="{CC6B340D-4C77-4F08-99A5-00EA2DB0726C}" type="datetime1">
               <a:rPr lang="de-DE" smtClean="0"/>
-              <a:t>24.07.2018</a:t>
+              <a:t>26.07.2018</a:t>
             </a:fld>
             <a:endParaRPr lang="de-DE"/>
           </a:p>
@@ -28618,7 +29199,7 @@
           <a:p>
             <a:fld id="{2F1A3238-3148-4C74-9234-9AF732B515FC}" type="datetime1">
               <a:rPr lang="de-DE" smtClean="0"/>
-              <a:t>24.07.2018</a:t>
+              <a:t>26.07.2018</a:t>
             </a:fld>
             <a:endParaRPr lang="de-DE"/>
           </a:p>
@@ -28893,7 +29474,7 @@
           <a:p>
             <a:fld id="{0148EF0E-5C02-4E2F-856A-60D0A6D265BC}" type="datetime1">
               <a:rPr lang="de-DE" smtClean="0"/>
-              <a:t>24.07.2018</a:t>
+              <a:t>26.07.2018</a:t>
             </a:fld>
             <a:endParaRPr lang="de-DE"/>
           </a:p>
@@ -29148,7 +29729,7 @@
           <a:p>
             <a:fld id="{38949234-D12E-463E-9449-EA0F2DF59432}" type="datetime1">
               <a:rPr lang="de-DE" smtClean="0"/>
-              <a:t>24.07.2018</a:t>
+              <a:t>26.07.2018</a:t>
             </a:fld>
             <a:endParaRPr lang="de-DE"/>
           </a:p>
@@ -29626,7 +30207,7 @@
           <p:cNvPr id="2" name="Inhaltsplatzhalter 1">
             <a:extLst>
               <a:ext uri="{FF2B5EF4-FFF2-40B4-BE49-F238E27FC236}">
-                <a16:creationId xmlns:a16="http://schemas.microsoft.com/office/drawing/2014/main" id="{E6A8FDB7-D702-4E59-92D8-AC0C8F47C754}"/>
+                <a16:creationId xmlns:a16="http://schemas.microsoft.com/office/drawing/2014/main" xmlns="" id="{E6A8FDB7-D702-4E59-92D8-AC0C8F47C754}"/>
               </a:ext>
             </a:extLst>
           </p:cNvPr>
@@ -29669,7 +30250,7 @@
           <a:p>
             <a:fld id="{F562E25D-699C-4C92-878C-CC3BF1593050}" type="datetime1">
               <a:rPr lang="de-DE" smtClean="0"/>
-              <a:t>24.07.2018</a:t>
+              <a:t>26.07.2018</a:t>
             </a:fld>
             <a:endParaRPr lang="de-DE" dirty="0"/>
           </a:p>
@@ -29742,7 +30323,6 @@
               <a:rPr lang="de-DE" dirty="0"/>
               <a:t>Hardware Plattform</a:t>
             </a:r>
-            <a:endParaRPr lang="de-DE" dirty="0"/>
           </a:p>
         </p:txBody>
       </p:sp>
@@ -29803,7 +30383,7 @@
           <p:cNvPr id="2" name="Inhaltsplatzhalter 1">
             <a:extLst>
               <a:ext uri="{FF2B5EF4-FFF2-40B4-BE49-F238E27FC236}">
-                <a16:creationId xmlns:a16="http://schemas.microsoft.com/office/drawing/2014/main" id="{E6A8FDB7-D702-4E59-92D8-AC0C8F47C754}"/>
+                <a16:creationId xmlns:a16="http://schemas.microsoft.com/office/drawing/2014/main" xmlns="" id="{E6A8FDB7-D702-4E59-92D8-AC0C8F47C754}"/>
               </a:ext>
             </a:extLst>
           </p:cNvPr>
@@ -29846,7 +30426,7 @@
           <a:p>
             <a:fld id="{F562E25D-699C-4C92-878C-CC3BF1593050}" type="datetime1">
               <a:rPr lang="de-DE" smtClean="0"/>
-              <a:t>24.07.2018</a:t>
+              <a:t>26.07.2018</a:t>
             </a:fld>
             <a:endParaRPr lang="de-DE" dirty="0"/>
           </a:p>
@@ -30009,7 +30589,12 @@
             <p:ph idx="1"/>
           </p:nvPr>
         </p:nvSpPr>
-        <p:spPr/>
+        <p:spPr>
+          <a:xfrm>
+            <a:off x="648000" y="1574866"/>
+            <a:ext cx="7675432" cy="4104983"/>
+          </a:xfrm>
+        </p:spPr>
         <p:txBody>
           <a:bodyPr/>
           <a:lstStyle/>
@@ -30060,17 +30645,12 @@
           <a:p>
             <a:r>
               <a:rPr lang="de-DE" sz="2400" dirty="0" err="1" smtClean="0"/>
-              <a:t>Posionsbestimmung</a:t>
+              <a:t>Postionsbestimmung</a:t>
             </a:r>
             <a:r>
               <a:rPr lang="de-DE" sz="2400" dirty="0" smtClean="0"/>
-              <a:t>: GPS, bzw. UWB </a:t>
+              <a:t>: GPS, bzw. UWB Daten auslesen</a:t>
             </a:r>
-            <a:r>
-              <a:rPr lang="de-DE" sz="2400" smtClean="0"/>
-              <a:t>Daten auslesen</a:t>
-            </a:r>
-            <a:endParaRPr lang="de-DE" sz="2400" dirty="0" smtClean="0"/>
           </a:p>
           <a:p>
             <a:endParaRPr lang="de-DE" sz="2400" dirty="0" smtClean="0"/>
@@ -30103,7 +30683,7 @@
           <a:p>
             <a:fld id="{BC201A49-8B56-45B1-8F48-1DAD15D4227B}" type="datetime1">
               <a:rPr lang="de-DE" smtClean="0"/>
-              <a:t>24.07.2018</a:t>
+              <a:t>26.07.2018</a:t>
             </a:fld>
             <a:endParaRPr lang="de-DE" dirty="0"/>
           </a:p>
@@ -30204,7 +30784,7 @@
           <a:p>
             <a:fld id="{BC201A49-8B56-45B1-8F48-1DAD15D4227B}" type="datetime1">
               <a:rPr lang="de-DE" smtClean="0"/>
-              <a:t>24.07.2018</a:t>
+              <a:t>26.07.2018</a:t>
             </a:fld>
             <a:endParaRPr lang="de-DE" dirty="0"/>
           </a:p>
@@ -30330,7 +30910,7 @@
           <a:p>
             <a:fld id="{BC201A49-8B56-45B1-8F48-1DAD15D4227B}" type="datetime1">
               <a:rPr lang="de-DE" smtClean="0"/>
-              <a:t>24.07.2018</a:t>
+              <a:t>26.07.2018</a:t>
             </a:fld>
             <a:endParaRPr lang="de-DE" dirty="0"/>
           </a:p>
@@ -30464,7 +31044,7 @@
           <a:p>
             <a:fld id="{BC201A49-8B56-45B1-8F48-1DAD15D4227B}" type="datetime1">
               <a:rPr lang="de-DE" smtClean="0"/>
-              <a:t>24.07.2018</a:t>
+              <a:t>26.07.2018</a:t>
             </a:fld>
             <a:endParaRPr lang="de-DE" dirty="0"/>
           </a:p>
@@ -30590,7 +31170,7 @@
           <a:p>
             <a:fld id="{BC201A49-8B56-45B1-8F48-1DAD15D4227B}" type="datetime1">
               <a:rPr lang="de-DE" smtClean="0"/>
-              <a:t>24.07.2018</a:t>
+              <a:t>26.07.2018</a:t>
             </a:fld>
             <a:endParaRPr lang="de-DE" dirty="0"/>
           </a:p>
